--- a/sujet/PWA.pptx
+++ b/sujet/PWA.pptx
@@ -5,7 +5,7 @@
     <p:sldMasterId id="2147483648" r:id="rId1"/>
   </p:sldMasterIdLst>
   <p:notesMasterIdLst>
-    <p:notesMasterId r:id="rId9"/>
+    <p:notesMasterId r:id="rId10"/>
   </p:notesMasterIdLst>
   <p:sldIdLst>
     <p:sldId id="256" r:id="rId2"/>
@@ -14,7 +14,8 @@
     <p:sldId id="260" r:id="rId5"/>
     <p:sldId id="259" r:id="rId6"/>
     <p:sldId id="262" r:id="rId7"/>
-    <p:sldId id="261" r:id="rId8"/>
+    <p:sldId id="263" r:id="rId8"/>
+    <p:sldId id="261" r:id="rId9"/>
   </p:sldIdLst>
   <p:sldSz cx="12192000" cy="6858000"/>
   <p:notesSz cx="6858000" cy="9144000"/>
@@ -4083,7 +4084,7 @@
             <a:pPr lvl="1"/>
             <a:r>
               <a:rPr lang="fr-FR" dirty="0"/>
-              <a:t>Lancé depuis une icône sur l’écran d’accueil du mobile</a:t>
+              <a:t>Lancement depuis une icône sur l’écran d’accueil du mobile</a:t>
             </a:r>
           </a:p>
           <a:p>
@@ -4128,6 +4129,71 @@
               <a:t>2</a:t>
             </a:fld>
             <a:endParaRPr lang="fr-FR"/>
+          </a:p>
+        </p:txBody>
+      </p:sp>
+      <p:pic>
+        <p:nvPicPr>
+          <p:cNvPr id="7" name="Image 6">
+            <a:extLst>
+              <a:ext uri="{FF2B5EF4-FFF2-40B4-BE49-F238E27FC236}">
+                <a16:creationId xmlns:a16="http://schemas.microsoft.com/office/drawing/2014/main" id="{6477AD16-5C15-F944-9272-3A7B722E5668}"/>
+              </a:ext>
+            </a:extLst>
+          </p:cNvPr>
+          <p:cNvPicPr>
+            <a:picLocks noChangeAspect="1"/>
+          </p:cNvPicPr>
+          <p:nvPr/>
+        </p:nvPicPr>
+        <p:blipFill>
+          <a:blip r:embed="rId2"/>
+          <a:stretch>
+            <a:fillRect/>
+          </a:stretch>
+        </p:blipFill>
+        <p:spPr>
+          <a:xfrm>
+            <a:off x="4555670" y="436929"/>
+            <a:ext cx="3078939" cy="1139207"/>
+          </a:xfrm>
+          <a:prstGeom prst="rect">
+            <a:avLst/>
+          </a:prstGeom>
+        </p:spPr>
+      </p:pic>
+      <p:sp>
+        <p:nvSpPr>
+          <p:cNvPr id="8" name="ZoneTexte 7">
+            <a:extLst>
+              <a:ext uri="{FF2B5EF4-FFF2-40B4-BE49-F238E27FC236}">
+                <a16:creationId xmlns:a16="http://schemas.microsoft.com/office/drawing/2014/main" id="{2166FFED-075C-EF4C-BD5F-9891FF0DEE99}"/>
+              </a:ext>
+            </a:extLst>
+          </p:cNvPr>
+          <p:cNvSpPr txBox="1"/>
+          <p:nvPr/>
+        </p:nvSpPr>
+        <p:spPr>
+          <a:xfrm>
+            <a:off x="7418757" y="1192042"/>
+            <a:ext cx="1346105" cy="461665"/>
+          </a:xfrm>
+          <a:prstGeom prst="rect">
+            <a:avLst/>
+          </a:prstGeom>
+          <a:noFill/>
+        </p:spPr>
+        <p:txBody>
+          <a:bodyPr wrap="square" rtlCol="0">
+            <a:spAutoFit/>
+          </a:bodyPr>
+          <a:lstStyle/>
+          <a:p>
+            <a:r>
+              <a:rPr lang="fr-FR" sz="2400" dirty="0"/>
+              <a:t>~2015</a:t>
+            </a:r>
           </a:p>
         </p:txBody>
       </p:sp>
@@ -4177,14 +4243,19 @@
             <p:ph type="title"/>
           </p:nvPr>
         </p:nvSpPr>
-        <p:spPr/>
+        <p:spPr>
+          <a:xfrm>
+            <a:off x="391885" y="365125"/>
+            <a:ext cx="10515600" cy="1325563"/>
+          </a:xfrm>
+        </p:spPr>
         <p:txBody>
           <a:bodyPr/>
           <a:lstStyle/>
           <a:p>
             <a:r>
               <a:rPr lang="fr-FR" dirty="0"/>
-              <a:t>Fonctionnalités-clé des PWA</a:t>
+              <a:t>Fonctionnalités-clés des PWA</a:t>
             </a:r>
           </a:p>
         </p:txBody>
@@ -4207,8 +4278,8 @@
         </p:nvSpPr>
         <p:spPr>
           <a:xfrm>
-            <a:off x="544010" y="1690688"/>
-            <a:ext cx="10809790" cy="4486275"/>
+            <a:off x="391885" y="1690688"/>
+            <a:ext cx="11168743" cy="4857069"/>
           </a:xfrm>
         </p:spPr>
         <p:txBody>
@@ -5259,7 +5330,12 @@
             <p:ph type="title"/>
           </p:nvPr>
         </p:nvSpPr>
-        <p:spPr/>
+        <p:spPr>
+          <a:xfrm>
+            <a:off x="293915" y="365124"/>
+            <a:ext cx="10515600" cy="1325563"/>
+          </a:xfrm>
+        </p:spPr>
         <p:txBody>
           <a:bodyPr/>
           <a:lstStyle/>
@@ -5287,9 +5363,16 @@
             <p:ph idx="1"/>
           </p:nvPr>
         </p:nvSpPr>
-        <p:spPr/>
-        <p:txBody>
-          <a:bodyPr/>
+        <p:spPr>
+          <a:xfrm>
+            <a:off x="293915" y="1690687"/>
+            <a:ext cx="11266714" cy="4808083"/>
+          </a:xfrm>
+        </p:spPr>
+        <p:txBody>
+          <a:bodyPr>
+            <a:normAutofit lnSpcReduction="10000"/>
+          </a:bodyPr>
           <a:lstStyle/>
           <a:p>
             <a:r>
@@ -5324,8 +5407,56 @@
             <a:pPr lvl="1"/>
             <a:r>
               <a:rPr lang="fr-FR" dirty="0"/>
-              <a:t>Accès plus restreint au matériel qu’avec un code natif</a:t>
-            </a:r>
+              <a:t>Accès plus restreint au matériel qu’avec un code natif (face ID, NFC, etc.)</a:t>
+            </a:r>
+          </a:p>
+          <a:p>
+            <a:pPr lvl="1"/>
+            <a:r>
+              <a:rPr lang="fr-FR" dirty="0"/>
+              <a:t>Quelques soucis de prise en charge sur iOS (&gt;= 11.3)</a:t>
+            </a:r>
+          </a:p>
+          <a:p>
+            <a:pPr marL="0" indent="0">
+              <a:buNone/>
+            </a:pPr>
+            <a:br>
+              <a:rPr lang="fr-FR" dirty="0"/>
+            </a:br>
+            <a:r>
+              <a:rPr lang="fr-FR" sz="2400" dirty="0"/>
+              <a:t>Pour vous aider : </a:t>
+            </a:r>
+            <a:r>
+              <a:rPr lang="fr-FR" sz="2400" dirty="0">
+                <a:hlinkClick r:id="rId2"/>
+              </a:rPr>
+              <a:t>https://</a:t>
+            </a:r>
+            <a:r>
+              <a:rPr lang="fr-FR" sz="2400" dirty="0" err="1">
+                <a:hlinkClick r:id="rId2"/>
+              </a:rPr>
+              <a:t>whatwebcando.today</a:t>
+            </a:r>
+            <a:r>
+              <a:rPr lang="fr-FR" sz="2400" dirty="0"/>
+              <a:t> et </a:t>
+            </a:r>
+            <a:r>
+              <a:rPr lang="fr-FR" sz="2400" dirty="0">
+                <a:hlinkClick r:id="rId3"/>
+              </a:rPr>
+              <a:t>http://</a:t>
+            </a:r>
+            <a:r>
+              <a:rPr lang="fr-FR" sz="2400" dirty="0" err="1">
+                <a:hlinkClick r:id="rId3"/>
+              </a:rPr>
+              <a:t>caniuse.com</a:t>
+            </a:r>
+            <a:endParaRPr lang="fr-FR" dirty="0"/>
           </a:p>
           <a:p>
             <a:pPr marL="0" indent="0">
@@ -5334,35 +5465,34 @@
             <a:endParaRPr lang="fr-FR" dirty="0"/>
           </a:p>
           <a:p>
-            <a:pPr marL="0" indent="0">
-              <a:buNone/>
-            </a:pPr>
-            <a:r>
-              <a:rPr lang="fr-FR" dirty="0"/>
-              <a:t>Pour vous aider :</a:t>
+            <a:r>
+              <a:rPr lang="fr-FR" dirty="0"/>
+              <a:t>Liées au mode de diffusion (pas de store) :</a:t>
             </a:r>
           </a:p>
           <a:p>
             <a:pPr lvl="1"/>
             <a:r>
               <a:rPr lang="fr-FR" dirty="0"/>
-              <a:t>https://</a:t>
-            </a:r>
-            <a:r>
-              <a:rPr lang="fr-FR" dirty="0" err="1"/>
-              <a:t>whatwebcando.today</a:t>
-            </a:r>
-            <a:r>
-              <a:rPr lang="fr-FR" dirty="0"/>
-              <a:t>/</a:t>
+              <a:t>Pas de connaissance des « téléchargements »</a:t>
             </a:r>
           </a:p>
           <a:p>
             <a:pPr lvl="1"/>
             <a:r>
-              <a:rPr lang="fr-FR" dirty="0" err="1"/>
-              <a:t>caniuse.com</a:t>
-            </a:r>
+              <a:rPr lang="fr-FR" dirty="0"/>
+              <a:t>Pas de contrôle des applis diffusées</a:t>
+            </a:r>
+          </a:p>
+          <a:p>
+            <a:pPr lvl="1"/>
+            <a:r>
+              <a:rPr lang="fr-FR" dirty="0"/>
+              <a:t>Pas de vente…</a:t>
+            </a:r>
+          </a:p>
+          <a:p>
+            <a:pPr lvl="1"/>
             <a:endParaRPr lang="fr-FR" dirty="0"/>
           </a:p>
         </p:txBody>
@@ -5444,7 +5574,7 @@
         </p:nvSpPr>
         <p:spPr>
           <a:xfrm>
-            <a:off x="537259" y="500062"/>
+            <a:off x="126356" y="59174"/>
             <a:ext cx="10515600" cy="1325563"/>
           </a:xfrm>
         </p:spPr>
@@ -5454,7 +5584,7 @@
           <a:p>
             <a:r>
               <a:rPr lang="fr-FR" dirty="0"/>
-              <a:t>Passer d’une application mobile à une PWA	 </a:t>
+              <a:t>D’une application web à une PWA	 </a:t>
             </a:r>
           </a:p>
         </p:txBody>
@@ -5475,43 +5605,59 @@
             <p:ph idx="1"/>
           </p:nvPr>
         </p:nvSpPr>
-        <p:spPr/>
+        <p:spPr>
+          <a:xfrm>
+            <a:off x="126356" y="1417395"/>
+            <a:ext cx="11488128" cy="5159868"/>
+          </a:xfrm>
+        </p:spPr>
         <p:txBody>
           <a:bodyPr>
-            <a:normAutofit lnSpcReduction="10000"/>
+            <a:normAutofit fontScale="92500" lnSpcReduction="20000"/>
           </a:bodyPr>
           <a:lstStyle/>
           <a:p>
-            <a:pPr marL="0" indent="0">
-              <a:buNone/>
-            </a:pPr>
-            <a:r>
-              <a:rPr lang="fr-FR" dirty="0"/>
-              <a:t>C’est l’objectif du TP !</a:t>
-            </a:r>
-          </a:p>
-          <a:p>
             <a:endParaRPr lang="fr-FR" dirty="0"/>
           </a:p>
           <a:p>
-            <a:r>
-              <a:rPr lang="fr-FR" dirty="0"/>
-              <a:t>Point de départ : une application web responsive, qu’il va falloir : </a:t>
-            </a:r>
-          </a:p>
-          <a:p>
             <a:endParaRPr lang="fr-FR" dirty="0"/>
           </a:p>
           <a:p>
             <a:r>
               <a:rPr lang="fr-FR" dirty="0"/>
-              <a:t>héberger en HTTPS</a:t>
-            </a:r>
-          </a:p>
-          <a:p>
-            <a:r>
-              <a:rPr lang="fr-FR" dirty="0"/>
-              <a:t>rendre installable, avec un fichier </a:t>
+              <a:t>Appli web</a:t>
+            </a:r>
+            <a:br>
+              <a:rPr lang="fr-FR" dirty="0"/>
+            </a:br>
+            <a:r>
+              <a:rPr lang="fr-FR" dirty="0"/>
+              <a:t>(responsive)</a:t>
+            </a:r>
+            <a:br>
+              <a:rPr lang="fr-FR" dirty="0"/>
+            </a:br>
+            <a:endParaRPr lang="fr-FR" dirty="0"/>
+          </a:p>
+          <a:p>
+            <a:endParaRPr lang="fr-FR" dirty="0"/>
+          </a:p>
+          <a:p>
+            <a:endParaRPr lang="fr-FR" dirty="0"/>
+          </a:p>
+          <a:p>
+            <a:endParaRPr lang="fr-FR" dirty="0"/>
+          </a:p>
+          <a:p>
+            <a:r>
+              <a:rPr lang="fr-FR" dirty="0"/>
+              <a:t>hébergée en HTTPS</a:t>
+            </a:r>
+          </a:p>
+          <a:p>
+            <a:r>
+              <a:rPr lang="fr-FR" dirty="0"/>
+              <a:t>rendue installable, avec un fichier </a:t>
             </a:r>
             <a:r>
               <a:rPr lang="fr-FR" i="1" dirty="0" err="1"/>
@@ -5522,7 +5668,7 @@
           <a:p>
             <a:r>
               <a:rPr lang="fr-FR" dirty="0"/>
-              <a:t>rendre « autonome » (utilisable hors-ligne) avec un </a:t>
+              <a:t>rendue utilisable hors-ligne avec un </a:t>
             </a:r>
             <a:r>
               <a:rPr lang="fr-FR" i="1" dirty="0"/>
@@ -5585,6 +5731,473 @@
           </a:p>
         </p:txBody>
       </p:sp>
+      <p:grpSp>
+        <p:nvGrpSpPr>
+          <p:cNvPr id="24" name="Groupe 23">
+            <a:extLst>
+              <a:ext uri="{FF2B5EF4-FFF2-40B4-BE49-F238E27FC236}">
+                <a16:creationId xmlns:a16="http://schemas.microsoft.com/office/drawing/2014/main" id="{D702DFCD-C351-4E44-AA51-08F843EAFEA2}"/>
+              </a:ext>
+            </a:extLst>
+          </p:cNvPr>
+          <p:cNvGrpSpPr/>
+          <p:nvPr/>
+        </p:nvGrpSpPr>
+        <p:grpSpPr>
+          <a:xfrm>
+            <a:off x="2875275" y="1384737"/>
+            <a:ext cx="8412632" cy="2579103"/>
+            <a:chOff x="3737420" y="1300808"/>
+            <a:chExt cx="8412632" cy="2579103"/>
+          </a:xfrm>
+        </p:grpSpPr>
+        <p:pic>
+          <p:nvPicPr>
+            <p:cNvPr id="6" name="Image 5">
+              <a:extLst>
+                <a:ext uri="{FF2B5EF4-FFF2-40B4-BE49-F238E27FC236}">
+                  <a16:creationId xmlns:a16="http://schemas.microsoft.com/office/drawing/2014/main" id="{3F43491B-F85C-6E4B-9153-B20E36B5B935}"/>
+                </a:ext>
+              </a:extLst>
+            </p:cNvPr>
+            <p:cNvPicPr>
+              <a:picLocks noChangeAspect="1"/>
+            </p:cNvPicPr>
+            <p:nvPr/>
+          </p:nvPicPr>
+          <p:blipFill>
+            <a:blip r:embed="rId2"/>
+            <a:stretch>
+              <a:fillRect/>
+            </a:stretch>
+          </p:blipFill>
+          <p:spPr>
+            <a:xfrm>
+              <a:off x="10727994" y="1300808"/>
+              <a:ext cx="1422058" cy="2579103"/>
+            </a:xfrm>
+            <a:prstGeom prst="rect">
+              <a:avLst/>
+            </a:prstGeom>
+          </p:spPr>
+        </p:pic>
+        <p:sp>
+          <p:nvSpPr>
+            <p:cNvPr id="10" name="Croix 9">
+              <a:extLst>
+                <a:ext uri="{FF2B5EF4-FFF2-40B4-BE49-F238E27FC236}">
+                  <a16:creationId xmlns:a16="http://schemas.microsoft.com/office/drawing/2014/main" id="{03505BE2-5559-8945-8891-2F918E736A9C}"/>
+                </a:ext>
+              </a:extLst>
+            </p:cNvPr>
+            <p:cNvSpPr/>
+            <p:nvPr/>
+          </p:nvSpPr>
+          <p:spPr>
+            <a:xfrm>
+              <a:off x="7373851" y="2376796"/>
+              <a:ext cx="433137" cy="427126"/>
+            </a:xfrm>
+            <a:prstGeom prst="plus">
+              <a:avLst>
+                <a:gd name="adj" fmla="val 40789"/>
+              </a:avLst>
+            </a:prstGeom>
+          </p:spPr>
+          <p:style>
+            <a:lnRef idx="2">
+              <a:schemeClr val="accent1">
+                <a:shade val="50000"/>
+              </a:schemeClr>
+            </a:lnRef>
+            <a:fillRef idx="1">
+              <a:schemeClr val="accent1"/>
+            </a:fillRef>
+            <a:effectRef idx="0">
+              <a:schemeClr val="accent1"/>
+            </a:effectRef>
+            <a:fontRef idx="minor">
+              <a:schemeClr val="lt1"/>
+            </a:fontRef>
+          </p:style>
+          <p:txBody>
+            <a:bodyPr rtlCol="0" anchor="ctr"/>
+            <a:lstStyle/>
+            <a:p>
+              <a:pPr algn="ctr"/>
+              <a:endParaRPr lang="fr-FR"/>
+            </a:p>
+          </p:txBody>
+        </p:sp>
+        <p:grpSp>
+          <p:nvGrpSpPr>
+            <p:cNvPr id="17" name="Groupe 16">
+              <a:extLst>
+                <a:ext uri="{FF2B5EF4-FFF2-40B4-BE49-F238E27FC236}">
+                  <a16:creationId xmlns:a16="http://schemas.microsoft.com/office/drawing/2014/main" id="{9E8F03F3-3E3F-F442-8ACE-6B653AB4B5CE}"/>
+                </a:ext>
+              </a:extLst>
+            </p:cNvPr>
+            <p:cNvGrpSpPr/>
+            <p:nvPr/>
+          </p:nvGrpSpPr>
+          <p:grpSpPr>
+            <a:xfrm>
+              <a:off x="3737420" y="1300808"/>
+              <a:ext cx="1422058" cy="2579103"/>
+              <a:chOff x="4673127" y="1676229"/>
+              <a:chExt cx="1422058" cy="2579103"/>
+            </a:xfrm>
+          </p:grpSpPr>
+          <p:pic>
+            <p:nvPicPr>
+              <p:cNvPr id="12" name="Image 11">
+                <a:extLst>
+                  <a:ext uri="{FF2B5EF4-FFF2-40B4-BE49-F238E27FC236}">
+                    <a16:creationId xmlns:a16="http://schemas.microsoft.com/office/drawing/2014/main" id="{4D44B99D-86D4-5D48-AA25-60B6BC976BBC}"/>
+                  </a:ext>
+                </a:extLst>
+              </p:cNvPr>
+              <p:cNvPicPr>
+                <a:picLocks noChangeAspect="1"/>
+              </p:cNvPicPr>
+              <p:nvPr/>
+            </p:nvPicPr>
+            <p:blipFill>
+              <a:blip r:embed="rId2"/>
+              <a:stretch>
+                <a:fillRect/>
+              </a:stretch>
+            </p:blipFill>
+            <p:spPr>
+              <a:xfrm>
+                <a:off x="4673127" y="1676229"/>
+                <a:ext cx="1422058" cy="2579103"/>
+              </a:xfrm>
+              <a:prstGeom prst="rect">
+                <a:avLst/>
+              </a:prstGeom>
+            </p:spPr>
+          </p:pic>
+          <p:pic>
+            <p:nvPicPr>
+              <p:cNvPr id="16" name="Image 15">
+                <a:extLst>
+                  <a:ext uri="{FF2B5EF4-FFF2-40B4-BE49-F238E27FC236}">
+                    <a16:creationId xmlns:a16="http://schemas.microsoft.com/office/drawing/2014/main" id="{A053D38B-73E4-F046-89E9-AE531BC52E84}"/>
+                  </a:ext>
+                </a:extLst>
+              </p:cNvPr>
+              <p:cNvPicPr>
+                <a:picLocks noChangeAspect="1"/>
+              </p:cNvPicPr>
+              <p:nvPr/>
+            </p:nvPicPr>
+            <p:blipFill>
+              <a:blip r:embed="rId3"/>
+              <a:stretch>
+                <a:fillRect/>
+              </a:stretch>
+            </p:blipFill>
+            <p:spPr>
+              <a:xfrm>
+                <a:off x="4806369" y="1933615"/>
+                <a:ext cx="1166400" cy="2070360"/>
+              </a:xfrm>
+              <a:prstGeom prst="rect">
+                <a:avLst/>
+              </a:prstGeom>
+            </p:spPr>
+          </p:pic>
+        </p:grpSp>
+        <p:grpSp>
+          <p:nvGrpSpPr>
+            <p:cNvPr id="21" name="Groupe 20">
+              <a:extLst>
+                <a:ext uri="{FF2B5EF4-FFF2-40B4-BE49-F238E27FC236}">
+                  <a16:creationId xmlns:a16="http://schemas.microsoft.com/office/drawing/2014/main" id="{CB5CE709-A076-C441-8A69-76F3E65F7AA5}"/>
+                </a:ext>
+              </a:extLst>
+            </p:cNvPr>
+            <p:cNvGrpSpPr/>
+            <p:nvPr/>
+          </p:nvGrpSpPr>
+          <p:grpSpPr>
+            <a:xfrm>
+              <a:off x="6116717" y="2017986"/>
+              <a:ext cx="995083" cy="1144746"/>
+              <a:chOff x="7831610" y="1617986"/>
+              <a:chExt cx="995083" cy="1144746"/>
+            </a:xfrm>
+          </p:grpSpPr>
+          <p:sp>
+            <p:nvSpPr>
+              <p:cNvPr id="9" name="Carré corné 8">
+                <a:extLst>
+                  <a:ext uri="{FF2B5EF4-FFF2-40B4-BE49-F238E27FC236}">
+                    <a16:creationId xmlns:a16="http://schemas.microsoft.com/office/drawing/2014/main" id="{8506BC95-6B85-C449-9872-45A906398274}"/>
+                  </a:ext>
+                </a:extLst>
+              </p:cNvPr>
+              <p:cNvSpPr/>
+              <p:nvPr/>
+            </p:nvSpPr>
+            <p:spPr>
+              <a:xfrm>
+                <a:off x="7912920" y="1617986"/>
+                <a:ext cx="760579" cy="912861"/>
+              </a:xfrm>
+              <a:prstGeom prst="foldedCorner">
+                <a:avLst/>
+              </a:prstGeom>
+            </p:spPr>
+            <p:style>
+              <a:lnRef idx="2">
+                <a:schemeClr val="accent1">
+                  <a:shade val="50000"/>
+                </a:schemeClr>
+              </a:lnRef>
+              <a:fillRef idx="1">
+                <a:schemeClr val="accent1"/>
+              </a:fillRef>
+              <a:effectRef idx="0">
+                <a:schemeClr val="accent1"/>
+              </a:effectRef>
+              <a:fontRef idx="minor">
+                <a:schemeClr val="lt1"/>
+              </a:fontRef>
+            </p:style>
+            <p:txBody>
+              <a:bodyPr lIns="36000" tIns="36000" rIns="36000" bIns="36000" rtlCol="0" anchor="ctr"/>
+              <a:lstStyle/>
+              <a:p>
+                <a:pPr algn="ctr"/>
+                <a:endParaRPr lang="fr-FR" sz="1200" b="1" dirty="0"/>
+              </a:p>
+            </p:txBody>
+          </p:sp>
+          <p:sp>
+            <p:nvSpPr>
+              <p:cNvPr id="18" name="ZoneTexte 17">
+                <a:extLst>
+                  <a:ext uri="{FF2B5EF4-FFF2-40B4-BE49-F238E27FC236}">
+                    <a16:creationId xmlns:a16="http://schemas.microsoft.com/office/drawing/2014/main" id="{07FD0737-67EE-6140-AAF0-769B5059E9B1}"/>
+                  </a:ext>
+                </a:extLst>
+              </p:cNvPr>
+              <p:cNvSpPr txBox="1"/>
+              <p:nvPr/>
+            </p:nvSpPr>
+            <p:spPr>
+              <a:xfrm>
+                <a:off x="7831610" y="2501122"/>
+                <a:ext cx="995083" cy="261610"/>
+              </a:xfrm>
+              <a:prstGeom prst="rect">
+                <a:avLst/>
+              </a:prstGeom>
+              <a:noFill/>
+            </p:spPr>
+            <p:txBody>
+              <a:bodyPr wrap="square" rtlCol="0">
+                <a:spAutoFit/>
+              </a:bodyPr>
+              <a:lstStyle/>
+              <a:p>
+                <a:r>
+                  <a:rPr lang="fr-FR" sz="1100" dirty="0" err="1"/>
+                  <a:t>manifest.json</a:t>
+                </a:r>
+                <a:endParaRPr lang="fr-FR" sz="1100" dirty="0"/>
+              </a:p>
+            </p:txBody>
+          </p:sp>
+        </p:grpSp>
+        <p:grpSp>
+          <p:nvGrpSpPr>
+            <p:cNvPr id="22" name="Groupe 21">
+              <a:extLst>
+                <a:ext uri="{FF2B5EF4-FFF2-40B4-BE49-F238E27FC236}">
+                  <a16:creationId xmlns:a16="http://schemas.microsoft.com/office/drawing/2014/main" id="{1C5EC3DB-4C01-7944-B990-FA7D196E0C83}"/>
+                </a:ext>
+              </a:extLst>
+            </p:cNvPr>
+            <p:cNvGrpSpPr/>
+            <p:nvPr/>
+          </p:nvGrpSpPr>
+          <p:grpSpPr>
+            <a:xfrm>
+              <a:off x="8069039" y="2031617"/>
+              <a:ext cx="1156447" cy="1117484"/>
+              <a:chOff x="7746509" y="3458935"/>
+              <a:chExt cx="1156447" cy="1117484"/>
+            </a:xfrm>
+          </p:grpSpPr>
+          <p:pic>
+            <p:nvPicPr>
+              <p:cNvPr id="14" name="Image 13">
+                <a:extLst>
+                  <a:ext uri="{FF2B5EF4-FFF2-40B4-BE49-F238E27FC236}">
+                    <a16:creationId xmlns:a16="http://schemas.microsoft.com/office/drawing/2014/main" id="{855D18E9-7F48-1344-8AFC-A1080C156628}"/>
+                  </a:ext>
+                </a:extLst>
+              </p:cNvPr>
+              <p:cNvPicPr>
+                <a:picLocks noChangeAspect="1"/>
+              </p:cNvPicPr>
+              <p:nvPr/>
+            </p:nvPicPr>
+            <p:blipFill>
+              <a:blip r:embed="rId4"/>
+              <a:stretch>
+                <a:fillRect/>
+              </a:stretch>
+            </p:blipFill>
+            <p:spPr>
+              <a:xfrm>
+                <a:off x="7894656" y="3458935"/>
+                <a:ext cx="860154" cy="855874"/>
+              </a:xfrm>
+              <a:prstGeom prst="rect">
+                <a:avLst/>
+              </a:prstGeom>
+            </p:spPr>
+          </p:pic>
+          <p:sp>
+            <p:nvSpPr>
+              <p:cNvPr id="19" name="ZoneTexte 18">
+                <a:extLst>
+                  <a:ext uri="{FF2B5EF4-FFF2-40B4-BE49-F238E27FC236}">
+                    <a16:creationId xmlns:a16="http://schemas.microsoft.com/office/drawing/2014/main" id="{FC11283D-E29E-4442-878B-A457A7A4F915}"/>
+                  </a:ext>
+                </a:extLst>
+              </p:cNvPr>
+              <p:cNvSpPr txBox="1"/>
+              <p:nvPr/>
+            </p:nvSpPr>
+            <p:spPr>
+              <a:xfrm>
+                <a:off x="7746509" y="4314809"/>
+                <a:ext cx="1156447" cy="261610"/>
+              </a:xfrm>
+              <a:prstGeom prst="rect">
+                <a:avLst/>
+              </a:prstGeom>
+              <a:noFill/>
+            </p:spPr>
+            <p:txBody>
+              <a:bodyPr wrap="square" rtlCol="0">
+                <a:spAutoFit/>
+              </a:bodyPr>
+              <a:lstStyle/>
+              <a:p>
+                <a:r>
+                  <a:rPr lang="fr-FR" sz="1100" dirty="0" err="1"/>
+                  <a:t>ServiceWorker.js</a:t>
+                </a:r>
+                <a:endParaRPr lang="fr-FR" sz="1100" dirty="0"/>
+              </a:p>
+            </p:txBody>
+          </p:sp>
+        </p:grpSp>
+        <p:sp>
+          <p:nvSpPr>
+            <p:cNvPr id="20" name="Croix 19">
+              <a:extLst>
+                <a:ext uri="{FF2B5EF4-FFF2-40B4-BE49-F238E27FC236}">
+                  <a16:creationId xmlns:a16="http://schemas.microsoft.com/office/drawing/2014/main" id="{3DB86A98-A4AB-C948-91A6-779249734904}"/>
+                </a:ext>
+              </a:extLst>
+            </p:cNvPr>
+            <p:cNvSpPr/>
+            <p:nvPr/>
+          </p:nvSpPr>
+          <p:spPr>
+            <a:xfrm>
+              <a:off x="5421529" y="2376796"/>
+              <a:ext cx="433137" cy="427126"/>
+            </a:xfrm>
+            <a:prstGeom prst="plus">
+              <a:avLst>
+                <a:gd name="adj" fmla="val 40789"/>
+              </a:avLst>
+            </a:prstGeom>
+          </p:spPr>
+          <p:style>
+            <a:lnRef idx="2">
+              <a:schemeClr val="accent1">
+                <a:shade val="50000"/>
+              </a:schemeClr>
+            </a:lnRef>
+            <a:fillRef idx="1">
+              <a:schemeClr val="accent1"/>
+            </a:fillRef>
+            <a:effectRef idx="0">
+              <a:schemeClr val="accent1"/>
+            </a:effectRef>
+            <a:fontRef idx="minor">
+              <a:schemeClr val="lt1"/>
+            </a:fontRef>
+          </p:style>
+          <p:txBody>
+            <a:bodyPr rtlCol="0" anchor="ctr"/>
+            <a:lstStyle/>
+            <a:p>
+              <a:pPr algn="ctr"/>
+              <a:endParaRPr lang="fr-FR"/>
+            </a:p>
+          </p:txBody>
+        </p:sp>
+        <p:sp>
+          <p:nvSpPr>
+            <p:cNvPr id="23" name="Flèche vers la droite 22">
+              <a:extLst>
+                <a:ext uri="{FF2B5EF4-FFF2-40B4-BE49-F238E27FC236}">
+                  <a16:creationId xmlns:a16="http://schemas.microsoft.com/office/drawing/2014/main" id="{45CC303F-A928-4149-A50E-5408C62795EB}"/>
+                </a:ext>
+              </a:extLst>
+            </p:cNvPr>
+            <p:cNvSpPr/>
+            <p:nvPr/>
+          </p:nvSpPr>
+          <p:spPr>
+            <a:xfrm>
+              <a:off x="9487537" y="2348043"/>
+              <a:ext cx="978408" cy="484632"/>
+            </a:xfrm>
+            <a:prstGeom prst="rightArrow">
+              <a:avLst>
+                <a:gd name="adj1" fmla="val 38902"/>
+                <a:gd name="adj2" fmla="val 59249"/>
+              </a:avLst>
+            </a:prstGeom>
+          </p:spPr>
+          <p:style>
+            <a:lnRef idx="2">
+              <a:schemeClr val="accent1">
+                <a:shade val="50000"/>
+              </a:schemeClr>
+            </a:lnRef>
+            <a:fillRef idx="1">
+              <a:schemeClr val="accent1"/>
+            </a:fillRef>
+            <a:effectRef idx="0">
+              <a:schemeClr val="accent1"/>
+            </a:effectRef>
+            <a:fontRef idx="minor">
+              <a:schemeClr val="lt1"/>
+            </a:fontRef>
+          </p:style>
+          <p:txBody>
+            <a:bodyPr rtlCol="0" anchor="ctr"/>
+            <a:lstStyle/>
+            <a:p>
+              <a:pPr algn="ctr"/>
+              <a:endParaRPr lang="fr-FR"/>
+            </a:p>
+          </p:txBody>
+        </p:sp>
+      </p:grpSp>
     </p:spTree>
     <p:extLst>
       <p:ext uri="{BB962C8B-B14F-4D97-AF65-F5344CB8AC3E}">
@@ -5631,7 +6244,12 @@
             <p:ph type="title"/>
           </p:nvPr>
         </p:nvSpPr>
-        <p:spPr/>
+        <p:spPr>
+          <a:xfrm>
+            <a:off x="317340" y="403434"/>
+            <a:ext cx="10515600" cy="1325563"/>
+          </a:xfrm>
+        </p:spPr>
         <p:txBody>
           <a:bodyPr/>
           <a:lstStyle/>
@@ -5782,6 +6400,543 @@
           </a:p>
         </p:txBody>
       </p:sp>
+      <p:sp>
+        <p:nvSpPr>
+          <p:cNvPr id="5" name="Rectangle 4">
+            <a:extLst>
+              <a:ext uri="{FF2B5EF4-FFF2-40B4-BE49-F238E27FC236}">
+                <a16:creationId xmlns:a16="http://schemas.microsoft.com/office/drawing/2014/main" id="{01B47564-2EF8-2B48-AE4B-D085D314B200}"/>
+              </a:ext>
+            </a:extLst>
+          </p:cNvPr>
+          <p:cNvSpPr/>
+          <p:nvPr/>
+        </p:nvSpPr>
+        <p:spPr>
+          <a:xfrm>
+            <a:off x="317340" y="6169580"/>
+            <a:ext cx="8085880" cy="369332"/>
+          </a:xfrm>
+          <a:prstGeom prst="rect">
+            <a:avLst/>
+          </a:prstGeom>
+        </p:spPr>
+        <p:txBody>
+          <a:bodyPr wrap="square">
+            <a:spAutoFit/>
+          </a:bodyPr>
+          <a:lstStyle/>
+          <a:p>
+            <a:r>
+              <a:rPr lang="fr-FR" dirty="0">
+                <a:hlinkClick r:id="rId2"/>
+              </a:rPr>
+              <a:t>https://</a:t>
+            </a:r>
+            <a:r>
+              <a:rPr lang="fr-FR" dirty="0" err="1">
+                <a:hlinkClick r:id="rId2"/>
+              </a:rPr>
+              <a:t>developers.google.com</a:t>
+            </a:r>
+            <a:r>
+              <a:rPr lang="fr-FR" dirty="0">
+                <a:hlinkClick r:id="rId2"/>
+              </a:rPr>
+              <a:t>/web/</a:t>
+            </a:r>
+            <a:r>
+              <a:rPr lang="fr-FR" dirty="0" err="1">
+                <a:hlinkClick r:id="rId2"/>
+              </a:rPr>
+              <a:t>fundamentals</a:t>
+            </a:r>
+            <a:r>
+              <a:rPr lang="fr-FR" dirty="0">
+                <a:hlinkClick r:id="rId2"/>
+              </a:rPr>
+              <a:t>/web-</a:t>
+            </a:r>
+            <a:r>
+              <a:rPr lang="fr-FR" dirty="0" err="1">
+                <a:hlinkClick r:id="rId2"/>
+              </a:rPr>
+              <a:t>app</a:t>
+            </a:r>
+            <a:r>
+              <a:rPr lang="fr-FR" dirty="0">
+                <a:hlinkClick r:id="rId2"/>
+              </a:rPr>
+              <a:t>-</a:t>
+            </a:r>
+            <a:r>
+              <a:rPr lang="fr-FR" dirty="0" err="1">
+                <a:hlinkClick r:id="rId2"/>
+              </a:rPr>
+              <a:t>manifest</a:t>
+            </a:r>
+            <a:endParaRPr lang="fr-FR" dirty="0"/>
+          </a:p>
+        </p:txBody>
+      </p:sp>
+      <p:sp>
+        <p:nvSpPr>
+          <p:cNvPr id="11" name="Carré corné 10">
+            <a:extLst>
+              <a:ext uri="{FF2B5EF4-FFF2-40B4-BE49-F238E27FC236}">
+                <a16:creationId xmlns:a16="http://schemas.microsoft.com/office/drawing/2014/main" id="{38E6EFA8-E135-F244-B492-FE35B70F7230}"/>
+              </a:ext>
+            </a:extLst>
+          </p:cNvPr>
+          <p:cNvSpPr/>
+          <p:nvPr/>
+        </p:nvSpPr>
+        <p:spPr>
+          <a:xfrm>
+            <a:off x="7060013" y="3349799"/>
+            <a:ext cx="1514683" cy="1828800"/>
+          </a:xfrm>
+          <a:prstGeom prst="foldedCorner">
+            <a:avLst>
+              <a:gd name="adj" fmla="val 15206"/>
+            </a:avLst>
+          </a:prstGeom>
+          <a:solidFill>
+            <a:schemeClr val="bg1"/>
+          </a:solidFill>
+          <a:ln>
+            <a:solidFill>
+              <a:schemeClr val="tx1"/>
+            </a:solidFill>
+          </a:ln>
+        </p:spPr>
+        <p:style>
+          <a:lnRef idx="2">
+            <a:schemeClr val="accent1">
+              <a:shade val="50000"/>
+            </a:schemeClr>
+          </a:lnRef>
+          <a:fillRef idx="1">
+            <a:schemeClr val="accent1"/>
+          </a:fillRef>
+          <a:effectRef idx="0">
+            <a:schemeClr val="accent1"/>
+          </a:effectRef>
+          <a:fontRef idx="minor">
+            <a:schemeClr val="lt1"/>
+          </a:fontRef>
+        </p:style>
+        <p:txBody>
+          <a:bodyPr lIns="36000" tIns="36000" rIns="36000" bIns="36000" rtlCol="0" anchor="ctr"/>
+          <a:lstStyle/>
+          <a:p>
+            <a:r>
+              <a:rPr lang="fr-FR" sz="900" dirty="0">
+                <a:solidFill>
+                  <a:schemeClr val="tx1"/>
+                </a:solidFill>
+              </a:rPr>
+              <a:t>{    </a:t>
+            </a:r>
+          </a:p>
+          <a:p>
+            <a:r>
+              <a:rPr lang="fr-FR" sz="900" dirty="0">
+                <a:solidFill>
+                  <a:schemeClr val="tx1"/>
+                </a:solidFill>
+              </a:rPr>
+              <a:t>"</a:t>
+            </a:r>
+            <a:r>
+              <a:rPr lang="fr-FR" sz="900" dirty="0" err="1">
+                <a:solidFill>
+                  <a:schemeClr val="tx1"/>
+                </a:solidFill>
+              </a:rPr>
+              <a:t>name</a:t>
+            </a:r>
+            <a:r>
+              <a:rPr lang="fr-FR" sz="900" dirty="0">
+                <a:solidFill>
+                  <a:schemeClr val="tx1"/>
+                </a:solidFill>
+              </a:rPr>
+              <a:t>": "La </a:t>
+            </a:r>
+            <a:r>
+              <a:rPr lang="fr-FR" sz="900" dirty="0" err="1">
+                <a:solidFill>
+                  <a:schemeClr val="tx1"/>
+                </a:solidFill>
+              </a:rPr>
+              <a:t>Scanette</a:t>
+            </a:r>
+            <a:r>
+              <a:rPr lang="fr-FR" sz="900" dirty="0">
+                <a:solidFill>
+                  <a:schemeClr val="tx1"/>
+                </a:solidFill>
+              </a:rPr>
+              <a:t> des M1",      </a:t>
+            </a:r>
+            <a:br>
+              <a:rPr lang="fr-FR" sz="900" dirty="0">
+                <a:solidFill>
+                  <a:schemeClr val="tx1"/>
+                </a:solidFill>
+              </a:rPr>
+            </a:br>
+            <a:r>
+              <a:rPr lang="fr-FR" sz="900" dirty="0">
+                <a:solidFill>
+                  <a:schemeClr val="tx1"/>
+                </a:solidFill>
+              </a:rPr>
+              <a:t>"</a:t>
+            </a:r>
+            <a:r>
+              <a:rPr lang="fr-FR" sz="900" dirty="0" err="1">
+                <a:solidFill>
+                  <a:schemeClr val="tx1"/>
+                </a:solidFill>
+              </a:rPr>
+              <a:t>short_name</a:t>
+            </a:r>
+            <a:r>
+              <a:rPr lang="fr-FR" sz="900" dirty="0">
+                <a:solidFill>
+                  <a:schemeClr val="tx1"/>
+                </a:solidFill>
+              </a:rPr>
+              <a:t>": "</a:t>
+            </a:r>
+            <a:r>
+              <a:rPr lang="fr-FR" sz="900" dirty="0" err="1">
+                <a:solidFill>
+                  <a:schemeClr val="tx1"/>
+                </a:solidFill>
+              </a:rPr>
+              <a:t>Scanette</a:t>
+            </a:r>
+            <a:r>
+              <a:rPr lang="fr-FR" sz="900" dirty="0">
+                <a:solidFill>
+                  <a:schemeClr val="tx1"/>
+                </a:solidFill>
+              </a:rPr>
+              <a:t> M1",   </a:t>
+            </a:r>
+            <a:br>
+              <a:rPr lang="fr-FR" sz="900" dirty="0">
+                <a:solidFill>
+                  <a:schemeClr val="tx1"/>
+                </a:solidFill>
+              </a:rPr>
+            </a:br>
+            <a:r>
+              <a:rPr lang="fr-FR" sz="900" dirty="0">
+                <a:solidFill>
+                  <a:schemeClr val="tx1"/>
+                </a:solidFill>
+              </a:rPr>
+              <a:t>"</a:t>
+            </a:r>
+            <a:r>
+              <a:rPr lang="fr-FR" sz="900" dirty="0" err="1">
+                <a:solidFill>
+                  <a:schemeClr val="tx1"/>
+                </a:solidFill>
+              </a:rPr>
+              <a:t>icons</a:t>
+            </a:r>
+            <a:r>
+              <a:rPr lang="fr-FR" sz="900" dirty="0">
+                <a:solidFill>
+                  <a:schemeClr val="tx1"/>
+                </a:solidFill>
+              </a:rPr>
+              <a:t>": [ </a:t>
+            </a:r>
+            <a:br>
+              <a:rPr lang="fr-FR" sz="900" dirty="0">
+                <a:solidFill>
+                  <a:schemeClr val="tx1"/>
+                </a:solidFill>
+              </a:rPr>
+            </a:br>
+            <a:r>
+              <a:rPr lang="fr-FR" sz="900" dirty="0">
+                <a:solidFill>
+                  <a:schemeClr val="tx1"/>
+                </a:solidFill>
+              </a:rPr>
+              <a:t>  {  "</a:t>
+            </a:r>
+            <a:r>
+              <a:rPr lang="fr-FR" sz="900" dirty="0" err="1">
+                <a:solidFill>
+                  <a:schemeClr val="tx1"/>
+                </a:solidFill>
+              </a:rPr>
+              <a:t>src</a:t>
+            </a:r>
+            <a:r>
+              <a:rPr lang="fr-FR" sz="900" dirty="0">
+                <a:solidFill>
+                  <a:schemeClr val="tx1"/>
+                </a:solidFill>
+              </a:rPr>
+              <a:t>": "</a:t>
+            </a:r>
+            <a:r>
+              <a:rPr lang="fr-FR" sz="900" dirty="0" err="1">
+                <a:solidFill>
+                  <a:schemeClr val="tx1"/>
+                </a:solidFill>
+              </a:rPr>
+              <a:t>icons</a:t>
+            </a:r>
+            <a:r>
+              <a:rPr lang="fr-FR" sz="900" dirty="0">
+                <a:solidFill>
+                  <a:schemeClr val="tx1"/>
+                </a:solidFill>
+              </a:rPr>
+              <a:t>/icon-32.png",</a:t>
+            </a:r>
+            <a:br>
+              <a:rPr lang="fr-FR" sz="900" dirty="0">
+                <a:solidFill>
+                  <a:schemeClr val="tx1"/>
+                </a:solidFill>
+              </a:rPr>
+            </a:br>
+            <a:r>
+              <a:rPr lang="fr-FR" sz="900" dirty="0">
+                <a:solidFill>
+                  <a:schemeClr val="tx1"/>
+                </a:solidFill>
+              </a:rPr>
+              <a:t>      "sizes": "32x32", </a:t>
+            </a:r>
+          </a:p>
+          <a:p>
+            <a:r>
+              <a:rPr lang="fr-FR" sz="900" dirty="0">
+                <a:solidFill>
+                  <a:schemeClr val="tx1"/>
+                </a:solidFill>
+              </a:rPr>
+              <a:t>       "type": "image/</a:t>
+            </a:r>
+            <a:r>
+              <a:rPr lang="fr-FR" sz="900" dirty="0" err="1">
+                <a:solidFill>
+                  <a:schemeClr val="tx1"/>
+                </a:solidFill>
+              </a:rPr>
+              <a:t>png</a:t>
+            </a:r>
+            <a:r>
+              <a:rPr lang="fr-FR" sz="900" dirty="0">
+                <a:solidFill>
+                  <a:schemeClr val="tx1"/>
+                </a:solidFill>
+              </a:rPr>
+              <a:t> »</a:t>
+            </a:r>
+            <a:br>
+              <a:rPr lang="fr-FR" sz="900" dirty="0">
+                <a:solidFill>
+                  <a:schemeClr val="tx1"/>
+                </a:solidFill>
+              </a:rPr>
+            </a:br>
+            <a:r>
+              <a:rPr lang="fr-FR" sz="900" dirty="0">
+                <a:solidFill>
+                  <a:schemeClr val="tx1"/>
+                </a:solidFill>
+              </a:rPr>
+              <a:t>  },</a:t>
+            </a:r>
+            <a:br>
+              <a:rPr lang="fr-FR" sz="900" dirty="0">
+                <a:solidFill>
+                  <a:schemeClr val="tx1"/>
+                </a:solidFill>
+              </a:rPr>
+            </a:br>
+            <a:r>
+              <a:rPr lang="fr-FR" sz="900" dirty="0">
+                <a:solidFill>
+                  <a:schemeClr val="tx1"/>
+                </a:solidFill>
+              </a:rPr>
+              <a:t>   …</a:t>
+            </a:r>
+          </a:p>
+          <a:p>
+            <a:r>
+              <a:rPr lang="fr-FR" sz="900" dirty="0">
+                <a:solidFill>
+                  <a:schemeClr val="tx1"/>
+                </a:solidFill>
+              </a:rPr>
+              <a:t>}</a:t>
+            </a:r>
+          </a:p>
+        </p:txBody>
+      </p:sp>
+      <p:pic>
+        <p:nvPicPr>
+          <p:cNvPr id="14" name="Image 13">
+            <a:extLst>
+              <a:ext uri="{FF2B5EF4-FFF2-40B4-BE49-F238E27FC236}">
+                <a16:creationId xmlns:a16="http://schemas.microsoft.com/office/drawing/2014/main" id="{9DDD0C8A-CC7C-2C45-957F-53910D4972AD}"/>
+              </a:ext>
+            </a:extLst>
+          </p:cNvPr>
+          <p:cNvPicPr>
+            <a:picLocks noChangeAspect="1"/>
+          </p:cNvPicPr>
+          <p:nvPr/>
+        </p:nvPicPr>
+        <p:blipFill rotWithShape="1">
+          <a:blip r:embed="rId3"/>
+          <a:srcRect l="-1" t="59674" r="57825" b="10576"/>
+          <a:stretch/>
+        </p:blipFill>
+        <p:spPr>
+          <a:xfrm>
+            <a:off x="9783737" y="1461598"/>
+            <a:ext cx="1570063" cy="1968809"/>
+          </a:xfrm>
+          <a:prstGeom prst="rect">
+            <a:avLst/>
+          </a:prstGeom>
+        </p:spPr>
+      </p:pic>
+      <p:pic>
+        <p:nvPicPr>
+          <p:cNvPr id="12" name="Image 11">
+            <a:extLst>
+              <a:ext uri="{FF2B5EF4-FFF2-40B4-BE49-F238E27FC236}">
+                <a16:creationId xmlns:a16="http://schemas.microsoft.com/office/drawing/2014/main" id="{5D5D8B15-2B60-4544-A3EF-7ED3DDBF37B6}"/>
+              </a:ext>
+            </a:extLst>
+          </p:cNvPr>
+          <p:cNvPicPr>
+            <a:picLocks noChangeAspect="1"/>
+          </p:cNvPicPr>
+          <p:nvPr/>
+        </p:nvPicPr>
+        <p:blipFill>
+          <a:blip r:embed="rId4"/>
+          <a:stretch>
+            <a:fillRect/>
+          </a:stretch>
+        </p:blipFill>
+        <p:spPr>
+          <a:xfrm>
+            <a:off x="9627593" y="4023519"/>
+            <a:ext cx="1422058" cy="2579103"/>
+          </a:xfrm>
+          <a:prstGeom prst="rect">
+            <a:avLst/>
+          </a:prstGeom>
+        </p:spPr>
+      </p:pic>
+      <p:cxnSp>
+        <p:nvCxnSpPr>
+          <p:cNvPr id="16" name="Connecteur droit avec flèche 15">
+            <a:extLst>
+              <a:ext uri="{FF2B5EF4-FFF2-40B4-BE49-F238E27FC236}">
+                <a16:creationId xmlns:a16="http://schemas.microsoft.com/office/drawing/2014/main" id="{6C043A72-4BC5-9445-BF8A-6BFFDDD76394}"/>
+              </a:ext>
+            </a:extLst>
+          </p:cNvPr>
+          <p:cNvCxnSpPr>
+            <a:cxnSpLocks/>
+          </p:cNvCxnSpPr>
+          <p:nvPr/>
+        </p:nvCxnSpPr>
+        <p:spPr>
+          <a:xfrm flipV="1">
+            <a:off x="8647661" y="2567055"/>
+            <a:ext cx="1063110" cy="1394618"/>
+          </a:xfrm>
+          <a:prstGeom prst="straightConnector1">
+            <a:avLst/>
+          </a:prstGeom>
+          <a:ln w="53975">
+            <a:solidFill>
+              <a:srgbClr val="7030A0"/>
+            </a:solidFill>
+            <a:tailEnd type="arrow"/>
+          </a:ln>
+        </p:spPr>
+        <p:style>
+          <a:lnRef idx="1">
+            <a:schemeClr val="accent1"/>
+          </a:lnRef>
+          <a:fillRef idx="0">
+            <a:schemeClr val="accent1"/>
+          </a:fillRef>
+          <a:effectRef idx="0">
+            <a:schemeClr val="accent1"/>
+          </a:effectRef>
+          <a:fontRef idx="minor">
+            <a:schemeClr val="tx1"/>
+          </a:fontRef>
+        </p:style>
+      </p:cxnSp>
+      <p:cxnSp>
+        <p:nvCxnSpPr>
+          <p:cNvPr id="18" name="Connecteur droit avec flèche 17">
+            <a:extLst>
+              <a:ext uri="{FF2B5EF4-FFF2-40B4-BE49-F238E27FC236}">
+                <a16:creationId xmlns:a16="http://schemas.microsoft.com/office/drawing/2014/main" id="{EBC1E990-1AE5-A34C-BDFB-2A02D7CBF23B}"/>
+              </a:ext>
+            </a:extLst>
+          </p:cNvPr>
+          <p:cNvCxnSpPr>
+            <a:cxnSpLocks/>
+            <a:endCxn id="12" idx="0"/>
+          </p:cNvCxnSpPr>
+          <p:nvPr/>
+        </p:nvCxnSpPr>
+        <p:spPr>
+          <a:xfrm>
+            <a:off x="10338622" y="2983641"/>
+            <a:ext cx="0" cy="1039878"/>
+          </a:xfrm>
+          <a:prstGeom prst="straightConnector1">
+            <a:avLst/>
+          </a:prstGeom>
+          <a:ln w="53975">
+            <a:solidFill>
+              <a:srgbClr val="7030A0"/>
+            </a:solidFill>
+            <a:tailEnd type="arrow"/>
+          </a:ln>
+        </p:spPr>
+        <p:style>
+          <a:lnRef idx="1">
+            <a:schemeClr val="accent1"/>
+          </a:lnRef>
+          <a:fillRef idx="0">
+            <a:schemeClr val="accent1"/>
+          </a:fillRef>
+          <a:effectRef idx="0">
+            <a:schemeClr val="accent1"/>
+          </a:effectRef>
+          <a:fontRef idx="minor">
+            <a:schemeClr val="tx1"/>
+          </a:fontRef>
+        </p:style>
+      </p:cxnSp>
     </p:spTree>
     <p:extLst>
       <p:ext uri="{BB962C8B-B14F-4D97-AF65-F5344CB8AC3E}">
@@ -5817,6 +6972,259 @@
           <p:cNvPr id="2" name="Titre 1">
             <a:extLst>
               <a:ext uri="{FF2B5EF4-FFF2-40B4-BE49-F238E27FC236}">
+                <a16:creationId xmlns:a16="http://schemas.microsoft.com/office/drawing/2014/main" id="{9DE8548F-CB80-A347-8FA0-EC2E850E757B}"/>
+              </a:ext>
+            </a:extLst>
+          </p:cNvPr>
+          <p:cNvSpPr>
+            <a:spLocks noGrp="1"/>
+          </p:cNvSpPr>
+          <p:nvPr>
+            <p:ph type="title"/>
+          </p:nvPr>
+        </p:nvSpPr>
+        <p:spPr>
+          <a:xfrm>
+            <a:off x="317338" y="381453"/>
+            <a:ext cx="10515600" cy="1325563"/>
+          </a:xfrm>
+        </p:spPr>
+        <p:txBody>
+          <a:bodyPr/>
+          <a:lstStyle/>
+          <a:p>
+            <a:r>
+              <a:rPr lang="fr-FR" dirty="0"/>
+              <a:t>Service </a:t>
+            </a:r>
+            <a:r>
+              <a:rPr lang="fr-FR" dirty="0" err="1"/>
+              <a:t>Worker</a:t>
+            </a:r>
+            <a:r>
+              <a:rPr lang="fr-FR" dirty="0"/>
+              <a:t> : </a:t>
+            </a:r>
+            <a:r>
+              <a:rPr lang="fr-FR" dirty="0" err="1"/>
+              <a:t>késako</a:t>
+            </a:r>
+            <a:r>
+              <a:rPr lang="fr-FR" dirty="0"/>
+              <a:t>?</a:t>
+            </a:r>
+          </a:p>
+        </p:txBody>
+      </p:sp>
+      <p:sp>
+        <p:nvSpPr>
+          <p:cNvPr id="3" name="Espace réservé du contenu 2">
+            <a:extLst>
+              <a:ext uri="{FF2B5EF4-FFF2-40B4-BE49-F238E27FC236}">
+                <a16:creationId xmlns:a16="http://schemas.microsoft.com/office/drawing/2014/main" id="{6486C462-33CD-644A-B05F-C155EC2006D6}"/>
+              </a:ext>
+            </a:extLst>
+          </p:cNvPr>
+          <p:cNvSpPr>
+            <a:spLocks noGrp="1"/>
+          </p:cNvSpPr>
+          <p:nvPr>
+            <p:ph idx="1"/>
+          </p:nvPr>
+        </p:nvSpPr>
+        <p:spPr>
+          <a:xfrm>
+            <a:off x="317338" y="1556769"/>
+            <a:ext cx="11326793" cy="4974659"/>
+          </a:xfrm>
+        </p:spPr>
+        <p:txBody>
+          <a:bodyPr>
+            <a:normAutofit/>
+          </a:bodyPr>
+          <a:lstStyle/>
+          <a:p>
+            <a:r>
+              <a:rPr lang="fr-FR" dirty="0"/>
+              <a:t>Script qui s’exécute en tâche de fond (séparément de la page - web </a:t>
+            </a:r>
+            <a:r>
+              <a:rPr lang="fr-FR" dirty="0" err="1"/>
+              <a:t>worker</a:t>
+            </a:r>
+            <a:r>
+              <a:rPr lang="fr-FR" dirty="0"/>
+              <a:t>)</a:t>
+            </a:r>
+          </a:p>
+          <a:p>
+            <a:endParaRPr lang="fr-FR" dirty="0"/>
+          </a:p>
+          <a:p>
+            <a:endParaRPr lang="fr-FR" dirty="0"/>
+          </a:p>
+          <a:p>
+            <a:endParaRPr lang="fr-FR" dirty="0"/>
+          </a:p>
+          <a:p>
+            <a:endParaRPr lang="fr-FR" dirty="0"/>
+          </a:p>
+          <a:p>
+            <a:pPr marL="0" indent="0">
+              <a:buNone/>
+            </a:pPr>
+            <a:endParaRPr lang="fr-FR" dirty="0"/>
+          </a:p>
+          <a:p>
+            <a:r>
+              <a:rPr lang="fr-FR" dirty="0"/>
+              <a:t>Usage principal : </a:t>
+            </a:r>
+          </a:p>
+          <a:p>
+            <a:pPr lvl="1"/>
+            <a:r>
+              <a:rPr lang="fr-FR" dirty="0"/>
+              <a:t>mise en cache des ressources et données de l’application (événement </a:t>
+            </a:r>
+            <a:r>
+              <a:rPr lang="fr-FR" i="1" dirty="0" err="1"/>
+              <a:t>install</a:t>
+            </a:r>
+            <a:r>
+              <a:rPr lang="fr-FR" dirty="0"/>
+              <a:t>)</a:t>
+            </a:r>
+          </a:p>
+          <a:p>
+            <a:pPr lvl="1"/>
+            <a:r>
+              <a:rPr lang="fr-FR" dirty="0" err="1"/>
+              <a:t>dispatch</a:t>
+            </a:r>
+            <a:r>
+              <a:rPr lang="fr-FR" dirty="0"/>
+              <a:t> des requêtes au réseau (événement </a:t>
+            </a:r>
+            <a:r>
+              <a:rPr lang="fr-FR" i="1" dirty="0" err="1"/>
+              <a:t>fetch</a:t>
+            </a:r>
+            <a:r>
+              <a:rPr lang="fr-FR" dirty="0"/>
+              <a:t>)</a:t>
+            </a:r>
+          </a:p>
+          <a:p>
+            <a:pPr lvl="1"/>
+            <a:r>
+              <a:rPr lang="fr-FR" dirty="0"/>
+              <a:t>nettoyage des caches (événement </a:t>
+            </a:r>
+            <a:r>
+              <a:rPr lang="fr-FR" i="1" dirty="0" err="1"/>
+              <a:t>activate</a:t>
+            </a:r>
+            <a:r>
+              <a:rPr lang="fr-FR" dirty="0"/>
+              <a:t>)</a:t>
+            </a:r>
+          </a:p>
+        </p:txBody>
+      </p:sp>
+      <p:sp>
+        <p:nvSpPr>
+          <p:cNvPr id="4" name="Espace réservé du numéro de diapositive 3">
+            <a:extLst>
+              <a:ext uri="{FF2B5EF4-FFF2-40B4-BE49-F238E27FC236}">
+                <a16:creationId xmlns:a16="http://schemas.microsoft.com/office/drawing/2014/main" id="{3A73ACB3-CF70-AB42-80FE-66E21A331C59}"/>
+              </a:ext>
+            </a:extLst>
+          </p:cNvPr>
+          <p:cNvSpPr>
+            <a:spLocks noGrp="1"/>
+          </p:cNvSpPr>
+          <p:nvPr>
+            <p:ph type="sldNum" sz="quarter" idx="12"/>
+          </p:nvPr>
+        </p:nvSpPr>
+        <p:spPr/>
+        <p:txBody>
+          <a:bodyPr/>
+          <a:lstStyle/>
+          <a:p>
+            <a:fld id="{BF9F15A8-A70F-BE47-918C-91878CE5FD8D}" type="slidenum">
+              <a:rPr lang="fr-FR" smtClean="0"/>
+              <a:t>7</a:t>
+            </a:fld>
+            <a:endParaRPr lang="fr-FR"/>
+          </a:p>
+        </p:txBody>
+      </p:sp>
+      <p:pic>
+        <p:nvPicPr>
+          <p:cNvPr id="6" name="Image 5">
+            <a:extLst>
+              <a:ext uri="{FF2B5EF4-FFF2-40B4-BE49-F238E27FC236}">
+                <a16:creationId xmlns:a16="http://schemas.microsoft.com/office/drawing/2014/main" id="{85DB6364-3057-3749-909B-FEBC28E091C9}"/>
+              </a:ext>
+            </a:extLst>
+          </p:cNvPr>
+          <p:cNvPicPr>
+            <a:picLocks noChangeAspect="1"/>
+          </p:cNvPicPr>
+          <p:nvPr/>
+        </p:nvPicPr>
+        <p:blipFill rotWithShape="1">
+          <a:blip r:embed="rId2"/>
+          <a:srcRect l="6824" t="17632" r="9289" b="11500"/>
+          <a:stretch/>
+        </p:blipFill>
+        <p:spPr>
+          <a:xfrm>
+            <a:off x="3412675" y="2253233"/>
+            <a:ext cx="6020970" cy="2609993"/>
+          </a:xfrm>
+          <a:prstGeom prst="rect">
+            <a:avLst/>
+          </a:prstGeom>
+        </p:spPr>
+      </p:pic>
+    </p:spTree>
+    <p:extLst>
+      <p:ext uri="{BB962C8B-B14F-4D97-AF65-F5344CB8AC3E}">
+        <p14:creationId xmlns:p14="http://schemas.microsoft.com/office/powerpoint/2010/main" val="607329838"/>
+      </p:ext>
+    </p:extLst>
+  </p:cSld>
+  <p:clrMapOvr>
+    <a:masterClrMapping/>
+  </p:clrMapOvr>
+</p:sld>
+</file>
+
+<file path=ppt/slides/slide8.xml><?xml version="1.0" encoding="utf-8"?>
+<p:sld xmlns:a="http://schemas.openxmlformats.org/drawingml/2006/main" xmlns:r="http://schemas.openxmlformats.org/officeDocument/2006/relationships" xmlns:p="http://schemas.openxmlformats.org/presentationml/2006/main">
+  <p:cSld>
+    <p:spTree>
+      <p:nvGrpSpPr>
+        <p:cNvPr id="1" name=""/>
+        <p:cNvGrpSpPr/>
+        <p:nvPr/>
+      </p:nvGrpSpPr>
+      <p:grpSpPr>
+        <a:xfrm>
+          <a:off x="0" y="0"/>
+          <a:ext cx="0" cy="0"/>
+          <a:chOff x="0" y="0"/>
+          <a:chExt cx="0" cy="0"/>
+        </a:xfrm>
+      </p:grpSpPr>
+      <p:sp>
+        <p:nvSpPr>
+          <p:cNvPr id="2" name="Titre 1">
+            <a:extLst>
+              <a:ext uri="{FF2B5EF4-FFF2-40B4-BE49-F238E27FC236}">
                 <a16:creationId xmlns:a16="http://schemas.microsoft.com/office/drawing/2014/main" id="{F163B2D3-37AC-8844-BCD7-0804E16C9349}"/>
               </a:ext>
             </a:extLst>
@@ -6136,7 +7544,7 @@
           <a:p>
             <a:fld id="{BF9F15A8-A70F-BE47-918C-91878CE5FD8D}" type="slidenum">
               <a:rPr lang="fr-FR" smtClean="0"/>
-              <a:t>7</a:t>
+              <a:t>8</a:t>
             </a:fld>
             <a:endParaRPr lang="fr-FR"/>
           </a:p>

--- a/sujet/PWA.pptx
+++ b/sujet/PWA.pptx
@@ -15,7 +15,7 @@
     <p:sldId id="259" r:id="rId6"/>
     <p:sldId id="262" r:id="rId7"/>
     <p:sldId id="263" r:id="rId8"/>
-    <p:sldId id="261" r:id="rId9"/>
+    <p:sldId id="264" r:id="rId9"/>
   </p:sldIdLst>
   <p:sldSz cx="12192000" cy="6858000"/>
   <p:notesSz cx="6858000" cy="9144000"/>
@@ -4245,7 +4245,7 @@
         </p:nvSpPr>
         <p:spPr>
           <a:xfrm>
-            <a:off x="391885" y="365125"/>
+            <a:off x="126356" y="0"/>
             <a:ext cx="10515600" cy="1325563"/>
           </a:xfrm>
         </p:spPr>
@@ -4278,978 +4278,982 @@
         </p:nvSpPr>
         <p:spPr>
           <a:xfrm>
-            <a:off x="391885" y="1690688"/>
-            <a:ext cx="11168743" cy="4857069"/>
+            <a:off x="126356" y="1233488"/>
+            <a:ext cx="11914415" cy="4857069"/>
           </a:xfrm>
         </p:spPr>
         <p:txBody>
           <a:bodyPr>
-            <a:normAutofit fontScale="55000" lnSpcReduction="20000"/>
+            <a:noAutofit/>
           </a:bodyPr>
           <a:lstStyle/>
           <a:p>
-            <a:pPr marL="0" indent="0">
-              <a:buNone/>
-            </a:pPr>
-            <a:endParaRPr lang="fr-FR" dirty="0"/>
-          </a:p>
-          <a:p>
-            <a:r>
-              <a:rPr lang="fr-FR" b="1" dirty="0"/>
+            <a:pPr algn="just"/>
+            <a:r>
+              <a:rPr lang="fr-FR" sz="1800" b="1" dirty="0"/>
               <a:t>Progressive</a:t>
             </a:r>
             <a:r>
-              <a:rPr lang="fr-FR" dirty="0"/>
+              <a:rPr lang="fr-FR" sz="1800" dirty="0"/>
               <a:t> — </a:t>
             </a:r>
             <a:r>
-              <a:rPr lang="fr-FR" dirty="0" err="1"/>
+              <a:rPr lang="fr-FR" sz="1800" dirty="0" err="1"/>
               <a:t>They</a:t>
             </a:r>
             <a:r>
-              <a:rPr lang="fr-FR" dirty="0"/>
+              <a:rPr lang="fr-FR" sz="1800" dirty="0"/>
               <a:t> </a:t>
             </a:r>
             <a:r>
-              <a:rPr lang="fr-FR" dirty="0" err="1"/>
+              <a:rPr lang="fr-FR" sz="1800" dirty="0" err="1"/>
               <a:t>work</a:t>
             </a:r>
             <a:r>
-              <a:rPr lang="fr-FR" dirty="0"/>
+              <a:rPr lang="fr-FR" sz="1800" dirty="0"/>
               <a:t> for </a:t>
             </a:r>
             <a:r>
-              <a:rPr lang="fr-FR" dirty="0" err="1"/>
+              <a:rPr lang="fr-FR" sz="1800" dirty="0" err="1"/>
               <a:t>every</a:t>
             </a:r>
             <a:r>
-              <a:rPr lang="fr-FR" dirty="0"/>
+              <a:rPr lang="fr-FR" sz="1800" dirty="0"/>
               <a:t> user, </a:t>
             </a:r>
             <a:r>
-              <a:rPr lang="fr-FR" dirty="0" err="1"/>
+              <a:rPr lang="fr-FR" sz="1800" dirty="0" err="1"/>
               <a:t>regardless</a:t>
             </a:r>
             <a:r>
-              <a:rPr lang="fr-FR" dirty="0"/>
+              <a:rPr lang="fr-FR" sz="1800" dirty="0"/>
               <a:t> of the browser </a:t>
             </a:r>
             <a:r>
-              <a:rPr lang="fr-FR" dirty="0" err="1"/>
+              <a:rPr lang="fr-FR" sz="1800" dirty="0" err="1"/>
               <a:t>chosen</a:t>
             </a:r>
             <a:r>
-              <a:rPr lang="fr-FR" dirty="0"/>
+              <a:rPr lang="fr-FR" sz="1800" dirty="0"/>
               <a:t> </a:t>
             </a:r>
             <a:r>
-              <a:rPr lang="fr-FR" dirty="0" err="1"/>
+              <a:rPr lang="fr-FR" sz="1800" dirty="0" err="1"/>
               <a:t>because</a:t>
             </a:r>
             <a:r>
-              <a:rPr lang="fr-FR" dirty="0"/>
+              <a:rPr lang="fr-FR" sz="1800" dirty="0"/>
               <a:t> </a:t>
             </a:r>
             <a:r>
-              <a:rPr lang="fr-FR" dirty="0" err="1"/>
+              <a:rPr lang="fr-FR" sz="1800" dirty="0" err="1"/>
               <a:t>they</a:t>
             </a:r>
             <a:r>
-              <a:rPr lang="fr-FR" dirty="0"/>
+              <a:rPr lang="fr-FR" sz="1800" dirty="0"/>
               <a:t> are </a:t>
             </a:r>
             <a:r>
-              <a:rPr lang="fr-FR" dirty="0" err="1"/>
+              <a:rPr lang="fr-FR" sz="1800" dirty="0" err="1"/>
               <a:t>built</a:t>
             </a:r>
             <a:r>
-              <a:rPr lang="fr-FR" dirty="0"/>
+              <a:rPr lang="fr-FR" sz="1800" dirty="0"/>
               <a:t> at the base </a:t>
             </a:r>
             <a:r>
-              <a:rPr lang="fr-FR" dirty="0" err="1"/>
+              <a:rPr lang="fr-FR" sz="1800" dirty="0" err="1"/>
               <a:t>with</a:t>
             </a:r>
             <a:r>
-              <a:rPr lang="fr-FR" dirty="0"/>
+              <a:rPr lang="fr-FR" sz="1800" dirty="0"/>
               <a:t> progressive </a:t>
             </a:r>
             <a:r>
-              <a:rPr lang="fr-FR" dirty="0" err="1"/>
+              <a:rPr lang="fr-FR" sz="1800" dirty="0" err="1"/>
               <a:t>improvement</a:t>
             </a:r>
             <a:r>
-              <a:rPr lang="fr-FR" dirty="0"/>
+              <a:rPr lang="fr-FR" sz="1800" dirty="0"/>
               <a:t> </a:t>
             </a:r>
             <a:r>
-              <a:rPr lang="fr-FR" dirty="0" err="1"/>
+              <a:rPr lang="fr-FR" sz="1800" dirty="0" err="1"/>
               <a:t>principles</a:t>
             </a:r>
             <a:r>
-              <a:rPr lang="fr-FR" dirty="0"/>
+              <a:rPr lang="fr-FR" sz="1800" dirty="0"/>
               <a:t>.</a:t>
             </a:r>
           </a:p>
           <a:p>
-            <a:r>
-              <a:rPr lang="fr-FR" b="1" dirty="0"/>
+            <a:pPr algn="just"/>
+            <a:r>
+              <a:rPr lang="fr-FR" sz="1800" b="1" dirty="0"/>
               <a:t>Responsive</a:t>
             </a:r>
             <a:r>
-              <a:rPr lang="fr-FR" dirty="0"/>
+              <a:rPr lang="fr-FR" sz="1800" dirty="0"/>
               <a:t> — </a:t>
             </a:r>
             <a:r>
-              <a:rPr lang="fr-FR" dirty="0" err="1"/>
+              <a:rPr lang="fr-FR" sz="1800" dirty="0" err="1"/>
               <a:t>They</a:t>
             </a:r>
             <a:r>
-              <a:rPr lang="fr-FR" dirty="0"/>
+              <a:rPr lang="fr-FR" sz="1800" dirty="0"/>
               <a:t> </a:t>
             </a:r>
             <a:r>
-              <a:rPr lang="fr-FR" dirty="0" err="1"/>
+              <a:rPr lang="fr-FR" sz="1800" dirty="0" err="1"/>
               <a:t>adapt</a:t>
             </a:r>
             <a:r>
-              <a:rPr lang="fr-FR" dirty="0"/>
+              <a:rPr lang="fr-FR" sz="1800" dirty="0"/>
               <a:t> to the </a:t>
             </a:r>
             <a:r>
-              <a:rPr lang="fr-FR" dirty="0" err="1"/>
+              <a:rPr lang="fr-FR" sz="1800" dirty="0" err="1"/>
               <a:t>various</a:t>
             </a:r>
             <a:r>
-              <a:rPr lang="fr-FR" dirty="0"/>
+              <a:rPr lang="fr-FR" sz="1800" dirty="0"/>
               <a:t> </a:t>
             </a:r>
             <a:r>
-              <a:rPr lang="fr-FR" dirty="0" err="1"/>
+              <a:rPr lang="fr-FR" sz="1800" dirty="0" err="1"/>
               <a:t>screen</a:t>
             </a:r>
             <a:r>
-              <a:rPr lang="fr-FR" dirty="0"/>
+              <a:rPr lang="fr-FR" sz="1800" dirty="0"/>
               <a:t> sizes: desktop, mobile, </a:t>
             </a:r>
             <a:r>
-              <a:rPr lang="fr-FR" dirty="0" err="1"/>
+              <a:rPr lang="fr-FR" sz="1800" dirty="0" err="1"/>
               <a:t>tablet</a:t>
             </a:r>
             <a:r>
-              <a:rPr lang="fr-FR" dirty="0"/>
+              <a:rPr lang="fr-FR" sz="1800" dirty="0"/>
               <a:t>, or dimensions </a:t>
             </a:r>
             <a:r>
-              <a:rPr lang="fr-FR" dirty="0" err="1"/>
+              <a:rPr lang="fr-FR" sz="1800" dirty="0" err="1"/>
               <a:t>that</a:t>
             </a:r>
             <a:r>
-              <a:rPr lang="fr-FR" dirty="0"/>
+              <a:rPr lang="fr-FR" sz="1800" dirty="0"/>
               <a:t> </a:t>
             </a:r>
             <a:r>
-              <a:rPr lang="fr-FR" dirty="0" err="1"/>
+              <a:rPr lang="fr-FR" sz="1800" dirty="0" err="1"/>
               <a:t>can</a:t>
             </a:r>
             <a:r>
-              <a:rPr lang="fr-FR" dirty="0"/>
+              <a:rPr lang="fr-FR" sz="1800" dirty="0"/>
               <a:t> </a:t>
             </a:r>
             <a:r>
-              <a:rPr lang="fr-FR" dirty="0" err="1"/>
+              <a:rPr lang="fr-FR" sz="1800" dirty="0" err="1"/>
               <a:t>later</a:t>
             </a:r>
             <a:r>
-              <a:rPr lang="fr-FR" dirty="0"/>
+              <a:rPr lang="fr-FR" sz="1800" dirty="0"/>
               <a:t> </a:t>
             </a:r>
             <a:r>
-              <a:rPr lang="fr-FR" dirty="0" err="1"/>
+              <a:rPr lang="fr-FR" sz="1800" dirty="0" err="1"/>
               <a:t>become</a:t>
             </a:r>
             <a:r>
-              <a:rPr lang="fr-FR" dirty="0"/>
+              <a:rPr lang="fr-FR" sz="1800" dirty="0"/>
               <a:t> </a:t>
             </a:r>
             <a:r>
-              <a:rPr lang="fr-FR" dirty="0" err="1"/>
+              <a:rPr lang="fr-FR" sz="1800" dirty="0" err="1"/>
               <a:t>available</a:t>
             </a:r>
             <a:r>
-              <a:rPr lang="fr-FR" dirty="0"/>
+              <a:rPr lang="fr-FR" sz="1800" dirty="0"/>
               <a:t>.</a:t>
             </a:r>
           </a:p>
           <a:p>
-            <a:r>
-              <a:rPr lang="fr-FR" b="1" dirty="0"/>
+            <a:pPr algn="just"/>
+            <a:r>
+              <a:rPr lang="fr-FR" sz="1800" b="1" dirty="0"/>
               <a:t>App-</a:t>
             </a:r>
             <a:r>
-              <a:rPr lang="fr-FR" b="1" dirty="0" err="1"/>
+              <a:rPr lang="fr-FR" sz="1800" b="1" dirty="0" err="1"/>
               <a:t>like</a:t>
             </a:r>
             <a:r>
-              <a:rPr lang="fr-FR" dirty="0"/>
+              <a:rPr lang="fr-FR" sz="1800" dirty="0"/>
               <a:t> — </a:t>
             </a:r>
             <a:r>
-              <a:rPr lang="fr-FR" dirty="0" err="1"/>
+              <a:rPr lang="fr-FR" sz="1800" dirty="0" err="1"/>
               <a:t>They</a:t>
             </a:r>
             <a:r>
-              <a:rPr lang="fr-FR" dirty="0"/>
+              <a:rPr lang="fr-FR" sz="1800" dirty="0"/>
               <a:t> </a:t>
             </a:r>
             <a:r>
-              <a:rPr lang="fr-FR" dirty="0" err="1"/>
+              <a:rPr lang="fr-FR" sz="1800" dirty="0" err="1"/>
               <a:t>behave</a:t>
             </a:r>
             <a:r>
-              <a:rPr lang="fr-FR" dirty="0"/>
+              <a:rPr lang="fr-FR" sz="1800" dirty="0"/>
               <a:t> </a:t>
             </a:r>
             <a:r>
-              <a:rPr lang="fr-FR" dirty="0" err="1"/>
+              <a:rPr lang="fr-FR" sz="1800" dirty="0" err="1"/>
               <a:t>with</a:t>
             </a:r>
             <a:r>
-              <a:rPr lang="fr-FR" dirty="0"/>
+              <a:rPr lang="fr-FR" sz="1800" dirty="0"/>
               <a:t> the user as if </a:t>
             </a:r>
             <a:r>
-              <a:rPr lang="fr-FR" dirty="0" err="1"/>
+              <a:rPr lang="fr-FR" sz="1800" dirty="0" err="1"/>
               <a:t>they</a:t>
             </a:r>
             <a:r>
-              <a:rPr lang="fr-FR" dirty="0"/>
+              <a:rPr lang="fr-FR" sz="1800" dirty="0"/>
               <a:t> </a:t>
             </a:r>
             <a:r>
-              <a:rPr lang="fr-FR" dirty="0" err="1"/>
+              <a:rPr lang="fr-FR" sz="1800" dirty="0" err="1"/>
               <a:t>were</a:t>
             </a:r>
             <a:r>
-              <a:rPr lang="fr-FR" dirty="0"/>
+              <a:rPr lang="fr-FR" sz="1800" dirty="0"/>
               <a:t> native </a:t>
             </a:r>
             <a:r>
-              <a:rPr lang="fr-FR" dirty="0" err="1"/>
+              <a:rPr lang="fr-FR" sz="1800" dirty="0" err="1"/>
               <a:t>apps</a:t>
             </a:r>
             <a:r>
-              <a:rPr lang="fr-FR" dirty="0"/>
+              <a:rPr lang="fr-FR" sz="1800" dirty="0"/>
               <a:t>, in </a:t>
             </a:r>
             <a:r>
-              <a:rPr lang="fr-FR" dirty="0" err="1"/>
+              <a:rPr lang="fr-FR" sz="1800" dirty="0" err="1"/>
               <a:t>terms</a:t>
             </a:r>
             <a:r>
-              <a:rPr lang="fr-FR" dirty="0"/>
+              <a:rPr lang="fr-FR" sz="1800" dirty="0"/>
               <a:t> of interaction and navigation.</a:t>
             </a:r>
           </a:p>
           <a:p>
-            <a:r>
-              <a:rPr lang="fr-FR" b="1" dirty="0" err="1"/>
+            <a:pPr algn="just"/>
+            <a:r>
+              <a:rPr lang="fr-FR" sz="1800" b="1" dirty="0" err="1"/>
               <a:t>Updated</a:t>
             </a:r>
             <a:r>
-              <a:rPr lang="fr-FR" dirty="0"/>
+              <a:rPr lang="fr-FR" sz="1800" dirty="0"/>
               <a:t> — Information </a:t>
             </a:r>
             <a:r>
-              <a:rPr lang="fr-FR" dirty="0" err="1"/>
+              <a:rPr lang="fr-FR" sz="1800" dirty="0" err="1"/>
               <a:t>is</a:t>
             </a:r>
             <a:r>
-              <a:rPr lang="fr-FR" dirty="0"/>
+              <a:rPr lang="fr-FR" sz="1800" dirty="0"/>
               <a:t> </a:t>
             </a:r>
             <a:r>
-              <a:rPr lang="fr-FR" dirty="0" err="1"/>
+              <a:rPr lang="fr-FR" sz="1800" dirty="0" err="1"/>
               <a:t>always</a:t>
             </a:r>
             <a:r>
-              <a:rPr lang="fr-FR" dirty="0"/>
+              <a:rPr lang="fr-FR" sz="1800" dirty="0"/>
               <a:t> up-to-date </a:t>
             </a:r>
             <a:r>
-              <a:rPr lang="fr-FR" dirty="0" err="1"/>
+              <a:rPr lang="fr-FR" sz="1800" dirty="0" err="1"/>
               <a:t>thanks</a:t>
             </a:r>
             <a:r>
-              <a:rPr lang="fr-FR" dirty="0"/>
+              <a:rPr lang="fr-FR" sz="1800" dirty="0"/>
               <a:t> to the data update </a:t>
             </a:r>
             <a:r>
-              <a:rPr lang="fr-FR" dirty="0" err="1"/>
+              <a:rPr lang="fr-FR" sz="1800" dirty="0" err="1"/>
               <a:t>process</a:t>
             </a:r>
             <a:r>
-              <a:rPr lang="fr-FR" dirty="0"/>
+              <a:rPr lang="fr-FR" sz="1800" dirty="0"/>
               <a:t> </a:t>
             </a:r>
             <a:r>
-              <a:rPr lang="fr-FR" dirty="0" err="1"/>
+              <a:rPr lang="fr-FR" sz="1800" dirty="0" err="1"/>
               <a:t>offered</a:t>
             </a:r>
             <a:r>
-              <a:rPr lang="fr-FR" dirty="0"/>
+              <a:rPr lang="fr-FR" sz="1800" dirty="0"/>
               <a:t> by service </a:t>
             </a:r>
             <a:r>
-              <a:rPr lang="fr-FR" dirty="0" err="1"/>
+              <a:rPr lang="fr-FR" sz="1800" dirty="0" err="1"/>
               <a:t>workers</a:t>
             </a:r>
             <a:r>
-              <a:rPr lang="fr-FR" dirty="0"/>
+              <a:rPr lang="fr-FR" sz="1800" dirty="0"/>
               <a:t>.</a:t>
             </a:r>
           </a:p>
           <a:p>
-            <a:r>
-              <a:rPr lang="fr-FR" b="1" dirty="0"/>
+            <a:pPr algn="just"/>
+            <a:r>
+              <a:rPr lang="fr-FR" sz="1800" b="1" dirty="0"/>
               <a:t>Secure</a:t>
             </a:r>
             <a:r>
-              <a:rPr lang="fr-FR" dirty="0"/>
+              <a:rPr lang="fr-FR" sz="1800" dirty="0"/>
               <a:t> — </a:t>
             </a:r>
             <a:r>
-              <a:rPr lang="fr-FR" dirty="0" err="1"/>
+              <a:rPr lang="fr-FR" sz="1800" dirty="0" err="1"/>
               <a:t>Exposed</a:t>
             </a:r>
             <a:r>
-              <a:rPr lang="fr-FR" dirty="0"/>
+              <a:rPr lang="fr-FR" sz="1800" dirty="0"/>
               <a:t> over HTTPS </a:t>
             </a:r>
             <a:r>
-              <a:rPr lang="fr-FR" dirty="0" err="1"/>
+              <a:rPr lang="fr-FR" sz="1800" dirty="0" err="1"/>
               <a:t>protocol</a:t>
             </a:r>
             <a:r>
-              <a:rPr lang="fr-FR" dirty="0"/>
+              <a:rPr lang="fr-FR" sz="1800" dirty="0"/>
               <a:t> to </a:t>
             </a:r>
             <a:r>
-              <a:rPr lang="fr-FR" dirty="0" err="1"/>
+              <a:rPr lang="fr-FR" sz="1800" dirty="0" err="1"/>
               <a:t>prevent</a:t>
             </a:r>
             <a:r>
-              <a:rPr lang="fr-FR" dirty="0"/>
+              <a:rPr lang="fr-FR" sz="1800" dirty="0"/>
               <a:t> the </a:t>
             </a:r>
             <a:r>
-              <a:rPr lang="fr-FR" dirty="0" err="1"/>
+              <a:rPr lang="fr-FR" sz="1800" dirty="0" err="1"/>
               <a:t>connection</a:t>
             </a:r>
             <a:r>
-              <a:rPr lang="fr-FR" dirty="0"/>
+              <a:rPr lang="fr-FR" sz="1800" dirty="0"/>
               <a:t> </a:t>
             </a:r>
             <a:r>
-              <a:rPr lang="fr-FR" dirty="0" err="1"/>
+              <a:rPr lang="fr-FR" sz="1800" dirty="0" err="1"/>
               <a:t>from</a:t>
             </a:r>
             <a:r>
-              <a:rPr lang="fr-FR" dirty="0"/>
+              <a:rPr lang="fr-FR" sz="1800" dirty="0"/>
               <a:t> </a:t>
             </a:r>
             <a:r>
-              <a:rPr lang="fr-FR" dirty="0" err="1"/>
+              <a:rPr lang="fr-FR" sz="1800" dirty="0" err="1"/>
               <a:t>displaying</a:t>
             </a:r>
             <a:r>
-              <a:rPr lang="fr-FR" dirty="0"/>
+              <a:rPr lang="fr-FR" sz="1800" dirty="0"/>
               <a:t> information or </a:t>
             </a:r>
             <a:r>
-              <a:rPr lang="fr-FR" dirty="0" err="1"/>
+              <a:rPr lang="fr-FR" sz="1800" dirty="0" err="1"/>
               <a:t>altering</a:t>
             </a:r>
             <a:r>
-              <a:rPr lang="fr-FR" dirty="0"/>
+              <a:rPr lang="fr-FR" sz="1800" dirty="0"/>
               <a:t> the contents.</a:t>
             </a:r>
           </a:p>
           <a:p>
-            <a:r>
-              <a:rPr lang="fr-FR" b="1" dirty="0" err="1"/>
+            <a:pPr algn="just"/>
+            <a:r>
+              <a:rPr lang="fr-FR" sz="1800" b="1" dirty="0" err="1"/>
               <a:t>Searchable</a:t>
             </a:r>
             <a:r>
-              <a:rPr lang="fr-FR" dirty="0"/>
+              <a:rPr lang="fr-FR" sz="1800" dirty="0"/>
               <a:t> — </a:t>
             </a:r>
             <a:r>
-              <a:rPr lang="fr-FR" dirty="0" err="1"/>
+              <a:rPr lang="fr-FR" sz="1800" dirty="0" err="1"/>
               <a:t>They</a:t>
             </a:r>
             <a:r>
-              <a:rPr lang="fr-FR" dirty="0"/>
+              <a:rPr lang="fr-FR" sz="1800" dirty="0"/>
               <a:t> are </a:t>
             </a:r>
             <a:r>
-              <a:rPr lang="fr-FR" dirty="0" err="1"/>
+              <a:rPr lang="fr-FR" sz="1800" dirty="0" err="1"/>
               <a:t>identified</a:t>
             </a:r>
             <a:r>
-              <a:rPr lang="fr-FR" dirty="0"/>
-              <a:t> as “applications” and are </a:t>
-            </a:r>
-            <a:r>
-              <a:rPr lang="fr-FR" dirty="0" err="1"/>
+              <a:rPr lang="fr-FR" sz="1800" dirty="0"/>
+              <a:t> as « applications » and are </a:t>
+            </a:r>
+            <a:r>
+              <a:rPr lang="fr-FR" sz="1800" dirty="0" err="1"/>
               <a:t>indexed</a:t>
             </a:r>
             <a:r>
-              <a:rPr lang="fr-FR" dirty="0"/>
+              <a:rPr lang="fr-FR" sz="1800" dirty="0"/>
               <a:t> by </a:t>
             </a:r>
             <a:r>
-              <a:rPr lang="fr-FR" dirty="0" err="1"/>
+              <a:rPr lang="fr-FR" sz="1800" dirty="0" err="1"/>
               <a:t>search</a:t>
             </a:r>
             <a:r>
-              <a:rPr lang="fr-FR" dirty="0"/>
+              <a:rPr lang="fr-FR" sz="1800" dirty="0"/>
               <a:t> </a:t>
             </a:r>
             <a:r>
-              <a:rPr lang="fr-FR" dirty="0" err="1"/>
+              <a:rPr lang="fr-FR" sz="1800" dirty="0" err="1"/>
               <a:t>engines</a:t>
             </a:r>
             <a:r>
-              <a:rPr lang="fr-FR" dirty="0"/>
+              <a:rPr lang="fr-FR" sz="1800" dirty="0"/>
               <a:t>.</a:t>
             </a:r>
           </a:p>
           <a:p>
-            <a:r>
-              <a:rPr lang="fr-FR" b="1" dirty="0" err="1"/>
+            <a:pPr algn="just"/>
+            <a:r>
+              <a:rPr lang="fr-FR" sz="1800" b="1" dirty="0" err="1"/>
               <a:t>Reactivable</a:t>
             </a:r>
             <a:r>
-              <a:rPr lang="fr-FR" dirty="0"/>
+              <a:rPr lang="fr-FR" sz="1800" dirty="0"/>
               <a:t> — </a:t>
             </a:r>
             <a:r>
-              <a:rPr lang="fr-FR" dirty="0" err="1"/>
+              <a:rPr lang="fr-FR" sz="1800" dirty="0" err="1"/>
               <a:t>Make</a:t>
             </a:r>
             <a:r>
-              <a:rPr lang="fr-FR" dirty="0"/>
+              <a:rPr lang="fr-FR" sz="1800" dirty="0"/>
               <a:t> </a:t>
             </a:r>
             <a:r>
-              <a:rPr lang="fr-FR" dirty="0" err="1"/>
+              <a:rPr lang="fr-FR" sz="1800" dirty="0" err="1"/>
               <a:t>it</a:t>
             </a:r>
             <a:r>
-              <a:rPr lang="fr-FR" dirty="0"/>
+              <a:rPr lang="fr-FR" sz="1800" dirty="0"/>
               <a:t> </a:t>
             </a:r>
             <a:r>
-              <a:rPr lang="fr-FR" dirty="0" err="1"/>
+              <a:rPr lang="fr-FR" sz="1800" dirty="0" err="1"/>
               <a:t>easy</a:t>
             </a:r>
             <a:r>
-              <a:rPr lang="fr-FR" dirty="0"/>
+              <a:rPr lang="fr-FR" sz="1800" dirty="0"/>
               <a:t> to </a:t>
             </a:r>
             <a:r>
-              <a:rPr lang="fr-FR" dirty="0" err="1"/>
+              <a:rPr lang="fr-FR" sz="1800" dirty="0" err="1"/>
               <a:t>reactivate</a:t>
             </a:r>
             <a:r>
-              <a:rPr lang="fr-FR" dirty="0"/>
+              <a:rPr lang="fr-FR" sz="1800" dirty="0"/>
               <a:t> the application </a:t>
             </a:r>
             <a:r>
-              <a:rPr lang="fr-FR" dirty="0" err="1"/>
+              <a:rPr lang="fr-FR" sz="1800" dirty="0" err="1"/>
               <a:t>thanks</a:t>
             </a:r>
             <a:r>
-              <a:rPr lang="fr-FR" dirty="0"/>
+              <a:rPr lang="fr-FR" sz="1800" dirty="0"/>
               <a:t> to </a:t>
             </a:r>
             <a:r>
-              <a:rPr lang="fr-FR" dirty="0" err="1"/>
+              <a:rPr lang="fr-FR" sz="1800" dirty="0" err="1"/>
               <a:t>capabilities</a:t>
             </a:r>
             <a:r>
-              <a:rPr lang="fr-FR" dirty="0"/>
+              <a:rPr lang="fr-FR" sz="1800" dirty="0"/>
               <a:t> </a:t>
             </a:r>
             <a:r>
-              <a:rPr lang="fr-FR" dirty="0" err="1"/>
+              <a:rPr lang="fr-FR" sz="1800" dirty="0" err="1"/>
               <a:t>such</a:t>
             </a:r>
             <a:r>
-              <a:rPr lang="fr-FR" dirty="0"/>
+              <a:rPr lang="fr-FR" sz="1800" dirty="0"/>
               <a:t> as web notifications.</a:t>
             </a:r>
           </a:p>
           <a:p>
-            <a:r>
-              <a:rPr lang="fr-FR" b="1" dirty="0"/>
+            <a:pPr algn="just"/>
+            <a:r>
+              <a:rPr lang="fr-FR" sz="1800" b="1" dirty="0"/>
               <a:t>Installable</a:t>
             </a:r>
             <a:r>
-              <a:rPr lang="fr-FR" dirty="0"/>
+              <a:rPr lang="fr-FR" sz="1800" dirty="0"/>
               <a:t> — </a:t>
             </a:r>
             <a:r>
-              <a:rPr lang="fr-FR" dirty="0" err="1"/>
+              <a:rPr lang="fr-FR" sz="1800" dirty="0" err="1"/>
               <a:t>They</a:t>
             </a:r>
             <a:r>
-              <a:rPr lang="fr-FR" dirty="0"/>
+              <a:rPr lang="fr-FR" sz="1800" dirty="0"/>
               <a:t> </a:t>
             </a:r>
             <a:r>
-              <a:rPr lang="fr-FR" dirty="0" err="1"/>
+              <a:rPr lang="fr-FR" sz="1800" dirty="0" err="1"/>
               <a:t>allow</a:t>
             </a:r>
             <a:r>
-              <a:rPr lang="fr-FR" dirty="0"/>
+              <a:rPr lang="fr-FR" sz="1800" dirty="0"/>
               <a:t> the user to “</a:t>
             </a:r>
             <a:r>
-              <a:rPr lang="fr-FR" dirty="0" err="1"/>
+              <a:rPr lang="fr-FR" sz="1800" dirty="0" err="1"/>
               <a:t>save</a:t>
             </a:r>
             <a:r>
-              <a:rPr lang="fr-FR" dirty="0"/>
+              <a:rPr lang="fr-FR" sz="1800" dirty="0"/>
               <a:t>” the </a:t>
             </a:r>
             <a:r>
-              <a:rPr lang="fr-FR" dirty="0" err="1"/>
+              <a:rPr lang="fr-FR" sz="1800" dirty="0" err="1"/>
               <a:t>apps</a:t>
             </a:r>
             <a:r>
-              <a:rPr lang="fr-FR" dirty="0"/>
+              <a:rPr lang="fr-FR" sz="1800" dirty="0"/>
               <a:t> </a:t>
             </a:r>
             <a:r>
-              <a:rPr lang="fr-FR" dirty="0" err="1"/>
+              <a:rPr lang="fr-FR" sz="1800" dirty="0" err="1"/>
               <a:t>that</a:t>
             </a:r>
             <a:r>
-              <a:rPr lang="fr-FR" dirty="0"/>
+              <a:rPr lang="fr-FR" sz="1800" dirty="0"/>
               <a:t> </a:t>
             </a:r>
             <a:r>
-              <a:rPr lang="fr-FR" dirty="0" err="1"/>
+              <a:rPr lang="fr-FR" sz="1800" dirty="0" err="1"/>
               <a:t>he</a:t>
             </a:r>
             <a:r>
-              <a:rPr lang="fr-FR" dirty="0"/>
+              <a:rPr lang="fr-FR" sz="1800" dirty="0"/>
               <a:t> </a:t>
             </a:r>
             <a:r>
-              <a:rPr lang="fr-FR" dirty="0" err="1"/>
+              <a:rPr lang="fr-FR" sz="1800" dirty="0" err="1"/>
               <a:t>considers</a:t>
             </a:r>
             <a:r>
-              <a:rPr lang="fr-FR" dirty="0"/>
+              <a:rPr lang="fr-FR" sz="1800" dirty="0"/>
               <a:t> </a:t>
             </a:r>
             <a:r>
-              <a:rPr lang="fr-FR" dirty="0" err="1"/>
+              <a:rPr lang="fr-FR" sz="1800" dirty="0" err="1"/>
               <a:t>most</a:t>
             </a:r>
             <a:r>
-              <a:rPr lang="fr-FR" dirty="0"/>
+              <a:rPr lang="fr-FR" sz="1800" dirty="0"/>
               <a:t> </a:t>
             </a:r>
             <a:r>
-              <a:rPr lang="fr-FR" dirty="0" err="1"/>
+              <a:rPr lang="fr-FR" sz="1800" dirty="0" err="1"/>
               <a:t>useful</a:t>
             </a:r>
             <a:r>
-              <a:rPr lang="fr-FR" dirty="0"/>
+              <a:rPr lang="fr-FR" sz="1800" dirty="0"/>
               <a:t> </a:t>
             </a:r>
             <a:r>
-              <a:rPr lang="fr-FR" dirty="0" err="1"/>
+              <a:rPr lang="fr-FR" sz="1800" dirty="0" err="1"/>
               <a:t>with</a:t>
             </a:r>
             <a:r>
-              <a:rPr lang="fr-FR" dirty="0"/>
+              <a:rPr lang="fr-FR" sz="1800" dirty="0"/>
               <a:t> the </a:t>
             </a:r>
             <a:r>
-              <a:rPr lang="fr-FR" dirty="0" err="1"/>
+              <a:rPr lang="fr-FR" sz="1800" dirty="0" err="1"/>
               <a:t>corresponding</a:t>
             </a:r>
             <a:r>
-              <a:rPr lang="fr-FR" dirty="0"/>
+              <a:rPr lang="fr-FR" sz="1800" dirty="0"/>
               <a:t> </a:t>
             </a:r>
             <a:r>
-              <a:rPr lang="fr-FR" dirty="0" err="1"/>
+              <a:rPr lang="fr-FR" sz="1800" dirty="0" err="1"/>
               <a:t>icon</a:t>
             </a:r>
             <a:r>
-              <a:rPr lang="fr-FR" dirty="0"/>
+              <a:rPr lang="fr-FR" sz="1800" dirty="0"/>
               <a:t> on the </a:t>
             </a:r>
             <a:r>
-              <a:rPr lang="fr-FR" dirty="0" err="1"/>
+              <a:rPr lang="fr-FR" sz="1800" dirty="0" err="1"/>
               <a:t>screen</a:t>
             </a:r>
             <a:r>
-              <a:rPr lang="fr-FR" dirty="0"/>
+              <a:rPr lang="fr-FR" sz="1800" dirty="0"/>
               <a:t> of </a:t>
             </a:r>
             <a:r>
-              <a:rPr lang="fr-FR" dirty="0" err="1"/>
+              <a:rPr lang="fr-FR" sz="1800" dirty="0" err="1"/>
               <a:t>his</a:t>
             </a:r>
             <a:r>
-              <a:rPr lang="fr-FR" dirty="0"/>
+              <a:rPr lang="fr-FR" sz="1800" dirty="0"/>
               <a:t> mobile terminal (home </a:t>
             </a:r>
             <a:r>
-              <a:rPr lang="fr-FR" dirty="0" err="1"/>
+              <a:rPr lang="fr-FR" sz="1800" dirty="0" err="1"/>
               <a:t>screen</a:t>
             </a:r>
             <a:r>
-              <a:rPr lang="fr-FR" dirty="0"/>
+              <a:rPr lang="fr-FR" sz="1800" dirty="0"/>
               <a:t>) </a:t>
             </a:r>
             <a:r>
-              <a:rPr lang="fr-FR" dirty="0" err="1"/>
+              <a:rPr lang="fr-FR" sz="1800" dirty="0" err="1"/>
               <a:t>without</a:t>
             </a:r>
             <a:r>
-              <a:rPr lang="fr-FR" dirty="0"/>
+              <a:rPr lang="fr-FR" sz="1800" dirty="0"/>
               <a:t> </a:t>
             </a:r>
             <a:r>
-              <a:rPr lang="fr-FR" dirty="0" err="1"/>
+              <a:rPr lang="fr-FR" sz="1800" dirty="0" err="1"/>
               <a:t>having</a:t>
             </a:r>
             <a:r>
-              <a:rPr lang="fr-FR" dirty="0"/>
+              <a:rPr lang="fr-FR" sz="1800" dirty="0"/>
               <a:t> to face all the </a:t>
             </a:r>
             <a:r>
-              <a:rPr lang="fr-FR" dirty="0" err="1"/>
+              <a:rPr lang="fr-FR" sz="1800" dirty="0" err="1"/>
               <a:t>steps</a:t>
             </a:r>
             <a:r>
-              <a:rPr lang="fr-FR" dirty="0"/>
+              <a:rPr lang="fr-FR" sz="1800" dirty="0"/>
               <a:t> and </a:t>
             </a:r>
             <a:r>
-              <a:rPr lang="fr-FR" dirty="0" err="1"/>
+              <a:rPr lang="fr-FR" sz="1800" dirty="0" err="1"/>
               <a:t>problems</a:t>
             </a:r>
             <a:r>
-              <a:rPr lang="fr-FR" dirty="0"/>
+              <a:rPr lang="fr-FR" sz="1800" dirty="0"/>
               <a:t> </a:t>
             </a:r>
             <a:r>
-              <a:rPr lang="fr-FR" dirty="0" err="1"/>
+              <a:rPr lang="fr-FR" sz="1800" dirty="0" err="1"/>
               <a:t>related</a:t>
             </a:r>
             <a:r>
-              <a:rPr lang="fr-FR" dirty="0"/>
+              <a:rPr lang="fr-FR" sz="1800" dirty="0"/>
               <a:t> to the use of the </a:t>
             </a:r>
             <a:r>
-              <a:rPr lang="fr-FR" dirty="0" err="1"/>
+              <a:rPr lang="fr-FR" sz="1800" dirty="0" err="1"/>
               <a:t>app</a:t>
             </a:r>
             <a:r>
-              <a:rPr lang="fr-FR" dirty="0"/>
+              <a:rPr lang="fr-FR" sz="1800" dirty="0"/>
               <a:t> store.</a:t>
             </a:r>
           </a:p>
           <a:p>
-            <a:r>
-              <a:rPr lang="fr-FR" b="1" dirty="0" err="1"/>
+            <a:pPr algn="just"/>
+            <a:r>
+              <a:rPr lang="fr-FR" sz="1800" b="1" dirty="0" err="1"/>
               <a:t>Linkable</a:t>
             </a:r>
             <a:r>
-              <a:rPr lang="fr-FR" dirty="0"/>
+              <a:rPr lang="fr-FR" sz="1800" dirty="0"/>
               <a:t> — </a:t>
             </a:r>
             <a:r>
-              <a:rPr lang="fr-FR" dirty="0" err="1"/>
+              <a:rPr lang="fr-FR" sz="1800" dirty="0" err="1"/>
               <a:t>Easily</a:t>
             </a:r>
             <a:r>
-              <a:rPr lang="fr-FR" dirty="0"/>
+              <a:rPr lang="fr-FR" sz="1800" dirty="0"/>
               <a:t> </a:t>
             </a:r>
             <a:r>
-              <a:rPr lang="fr-FR" dirty="0" err="1"/>
+              <a:rPr lang="fr-FR" sz="1800" dirty="0" err="1"/>
               <a:t>shared</a:t>
             </a:r>
             <a:r>
-              <a:rPr lang="fr-FR" dirty="0"/>
+              <a:rPr lang="fr-FR" sz="1800" dirty="0"/>
               <a:t> via URL </a:t>
             </a:r>
             <a:r>
-              <a:rPr lang="fr-FR" dirty="0" err="1"/>
+              <a:rPr lang="fr-FR" sz="1800" dirty="0" err="1"/>
               <a:t>without</a:t>
             </a:r>
             <a:r>
-              <a:rPr lang="fr-FR" dirty="0"/>
+              <a:rPr lang="fr-FR" sz="1800" dirty="0"/>
               <a:t> </a:t>
             </a:r>
             <a:r>
-              <a:rPr lang="fr-FR" dirty="0" err="1"/>
+              <a:rPr lang="fr-FR" sz="1800" dirty="0" err="1"/>
               <a:t>complex</a:t>
             </a:r>
             <a:r>
-              <a:rPr lang="fr-FR" dirty="0"/>
+              <a:rPr lang="fr-FR" sz="1800" dirty="0"/>
               <a:t> installations.</a:t>
             </a:r>
           </a:p>
           <a:p>
-            <a:r>
-              <a:rPr lang="fr-FR" b="1" dirty="0"/>
+            <a:pPr algn="just"/>
+            <a:r>
+              <a:rPr lang="fr-FR" sz="1800" b="1" dirty="0"/>
               <a:t>Offline</a:t>
             </a:r>
             <a:r>
-              <a:rPr lang="fr-FR" dirty="0"/>
+              <a:rPr lang="fr-FR" sz="1800" dirty="0"/>
               <a:t> — Once more </a:t>
             </a:r>
             <a:r>
-              <a:rPr lang="fr-FR" dirty="0" err="1"/>
+              <a:rPr lang="fr-FR" sz="1800" dirty="0" err="1"/>
               <a:t>it</a:t>
             </a:r>
             <a:r>
-              <a:rPr lang="fr-FR" dirty="0"/>
+              <a:rPr lang="fr-FR" sz="1800" dirty="0"/>
               <a:t> </a:t>
             </a:r>
             <a:r>
-              <a:rPr lang="fr-FR" dirty="0" err="1"/>
+              <a:rPr lang="fr-FR" sz="1800" dirty="0" err="1"/>
               <a:t>is</a:t>
             </a:r>
             <a:r>
-              <a:rPr lang="fr-FR" dirty="0"/>
+              <a:rPr lang="fr-FR" sz="1800" dirty="0"/>
               <a:t> about putting the user </a:t>
             </a:r>
             <a:r>
-              <a:rPr lang="fr-FR" dirty="0" err="1"/>
+              <a:rPr lang="fr-FR" sz="1800" dirty="0" err="1"/>
               <a:t>before</a:t>
             </a:r>
             <a:r>
-              <a:rPr lang="fr-FR" dirty="0"/>
+              <a:rPr lang="fr-FR" sz="1800" dirty="0"/>
               <a:t> </a:t>
             </a:r>
             <a:r>
-              <a:rPr lang="fr-FR" dirty="0" err="1"/>
+              <a:rPr lang="fr-FR" sz="1800" dirty="0" err="1"/>
               <a:t>everything</a:t>
             </a:r>
             <a:r>
-              <a:rPr lang="fr-FR" dirty="0"/>
+              <a:rPr lang="fr-FR" sz="1800" dirty="0"/>
               <a:t>, </a:t>
             </a:r>
             <a:r>
-              <a:rPr lang="fr-FR" dirty="0" err="1"/>
+              <a:rPr lang="fr-FR" sz="1800" dirty="0" err="1"/>
               <a:t>avoiding</a:t>
             </a:r>
             <a:r>
-              <a:rPr lang="fr-FR" dirty="0"/>
+              <a:rPr lang="fr-FR" sz="1800" dirty="0"/>
               <a:t> the </a:t>
             </a:r>
             <a:r>
-              <a:rPr lang="fr-FR" dirty="0" err="1"/>
+              <a:rPr lang="fr-FR" sz="1800" dirty="0" err="1"/>
               <a:t>usual</a:t>
             </a:r>
             <a:r>
-              <a:rPr lang="fr-FR" dirty="0"/>
+              <a:rPr lang="fr-FR" sz="1800" dirty="0"/>
               <a:t> </a:t>
             </a:r>
             <a:r>
-              <a:rPr lang="fr-FR" dirty="0" err="1"/>
+              <a:rPr lang="fr-FR" sz="1800" dirty="0" err="1"/>
               <a:t>error</a:t>
             </a:r>
             <a:r>
-              <a:rPr lang="fr-FR" dirty="0"/>
+              <a:rPr lang="fr-FR" sz="1800" dirty="0"/>
               <a:t> message in case of </a:t>
             </a:r>
             <a:r>
-              <a:rPr lang="fr-FR" dirty="0" err="1"/>
+              <a:rPr lang="fr-FR" sz="1800" dirty="0" err="1"/>
               <a:t>weak</a:t>
             </a:r>
             <a:r>
-              <a:rPr lang="fr-FR" dirty="0"/>
+              <a:rPr lang="fr-FR" sz="1800" dirty="0"/>
               <a:t> or no </a:t>
             </a:r>
             <a:r>
-              <a:rPr lang="fr-FR" dirty="0" err="1"/>
+              <a:rPr lang="fr-FR" sz="1800" dirty="0" err="1"/>
               <a:t>connection</a:t>
             </a:r>
             <a:r>
-              <a:rPr lang="fr-FR" dirty="0"/>
+              <a:rPr lang="fr-FR" sz="1800" dirty="0"/>
               <a:t>. The PWA are </a:t>
             </a:r>
             <a:r>
-              <a:rPr lang="fr-FR" dirty="0" err="1"/>
+              <a:rPr lang="fr-FR" sz="1800" dirty="0" err="1"/>
               <a:t>based</a:t>
             </a:r>
             <a:r>
-              <a:rPr lang="fr-FR" dirty="0"/>
+              <a:rPr lang="fr-FR" sz="1800" dirty="0"/>
               <a:t> on </a:t>
             </a:r>
             <a:r>
-              <a:rPr lang="fr-FR" dirty="0" err="1"/>
+              <a:rPr lang="fr-FR" sz="1800" dirty="0" err="1"/>
               <a:t>two</a:t>
             </a:r>
             <a:r>
-              <a:rPr lang="fr-FR" dirty="0"/>
+              <a:rPr lang="fr-FR" sz="1800" dirty="0"/>
               <a:t> </a:t>
             </a:r>
             <a:r>
-              <a:rPr lang="fr-FR" dirty="0" err="1"/>
+              <a:rPr lang="fr-FR" sz="1800" dirty="0" err="1"/>
               <a:t>particularities</a:t>
             </a:r>
             <a:r>
-              <a:rPr lang="fr-FR" dirty="0"/>
+              <a:rPr lang="fr-FR" sz="1800" dirty="0"/>
               <a:t>: first of all the ‘</a:t>
             </a:r>
             <a:r>
-              <a:rPr lang="fr-FR" dirty="0" err="1"/>
+              <a:rPr lang="fr-FR" sz="1800" dirty="0" err="1"/>
               <a:t>skeleton</a:t>
             </a:r>
             <a:r>
-              <a:rPr lang="fr-FR" dirty="0"/>
+              <a:rPr lang="fr-FR" sz="1800" dirty="0"/>
               <a:t>’ of the </a:t>
             </a:r>
             <a:r>
-              <a:rPr lang="fr-FR" dirty="0" err="1"/>
+              <a:rPr lang="fr-FR" sz="1800" dirty="0" err="1"/>
               <a:t>app</a:t>
             </a:r>
             <a:r>
-              <a:rPr lang="fr-FR" dirty="0"/>
+              <a:rPr lang="fr-FR" sz="1800" dirty="0"/>
               <a:t>, </a:t>
             </a:r>
             <a:r>
-              <a:rPr lang="fr-FR" dirty="0" err="1"/>
+              <a:rPr lang="fr-FR" sz="1800" dirty="0" err="1"/>
               <a:t>which</a:t>
             </a:r>
             <a:r>
-              <a:rPr lang="fr-FR" dirty="0"/>
+              <a:rPr lang="fr-FR" sz="1800" dirty="0"/>
               <a:t> </a:t>
             </a:r>
             <a:r>
-              <a:rPr lang="fr-FR" dirty="0" err="1"/>
+              <a:rPr lang="fr-FR" sz="1800" dirty="0" err="1"/>
               <a:t>recalls</a:t>
             </a:r>
             <a:r>
-              <a:rPr lang="fr-FR" dirty="0"/>
+              <a:rPr lang="fr-FR" sz="1800" dirty="0"/>
               <a:t> the page structure, </a:t>
             </a:r>
             <a:r>
-              <a:rPr lang="fr-FR" dirty="0" err="1"/>
+              <a:rPr lang="fr-FR" sz="1800" dirty="0" err="1"/>
               <a:t>even</a:t>
             </a:r>
             <a:r>
-              <a:rPr lang="fr-FR" dirty="0"/>
+              <a:rPr lang="fr-FR" sz="1800" dirty="0"/>
               <a:t> if </a:t>
             </a:r>
             <a:r>
-              <a:rPr lang="fr-FR" dirty="0" err="1"/>
+              <a:rPr lang="fr-FR" sz="1800" dirty="0" err="1"/>
               <a:t>its</a:t>
             </a:r>
             <a:r>
-              <a:rPr lang="fr-FR" dirty="0"/>
+              <a:rPr lang="fr-FR" sz="1800" dirty="0"/>
               <a:t> contents do not </a:t>
             </a:r>
             <a:r>
-              <a:rPr lang="fr-FR" dirty="0" err="1"/>
+              <a:rPr lang="fr-FR" sz="1800" dirty="0" err="1"/>
               <a:t>respond</a:t>
             </a:r>
             <a:r>
-              <a:rPr lang="fr-FR" dirty="0"/>
+              <a:rPr lang="fr-FR" sz="1800" dirty="0"/>
               <a:t> and </a:t>
             </a:r>
             <a:r>
-              <a:rPr lang="fr-FR" dirty="0" err="1"/>
+              <a:rPr lang="fr-FR" sz="1800" dirty="0" err="1"/>
               <a:t>its</a:t>
             </a:r>
             <a:r>
-              <a:rPr lang="fr-FR" dirty="0"/>
+              <a:rPr lang="fr-FR" sz="1800" dirty="0"/>
               <a:t> </a:t>
             </a:r>
             <a:r>
-              <a:rPr lang="fr-FR" dirty="0" err="1"/>
+              <a:rPr lang="fr-FR" sz="1800" dirty="0" err="1"/>
               <a:t>elements</a:t>
             </a:r>
             <a:r>
-              <a:rPr lang="fr-FR" dirty="0"/>
+              <a:rPr lang="fr-FR" sz="1800" dirty="0"/>
               <a:t> </a:t>
             </a:r>
             <a:r>
-              <a:rPr lang="fr-FR" dirty="0" err="1"/>
+              <a:rPr lang="fr-FR" sz="1800" dirty="0" err="1"/>
               <a:t>include</a:t>
             </a:r>
             <a:r>
-              <a:rPr lang="fr-FR" dirty="0"/>
+              <a:rPr lang="fr-FR" sz="1800" dirty="0"/>
               <a:t> the header, the page </a:t>
             </a:r>
             <a:r>
-              <a:rPr lang="fr-FR" dirty="0" err="1"/>
+              <a:rPr lang="fr-FR" sz="1800" dirty="0" err="1"/>
               <a:t>layout</a:t>
             </a:r>
             <a:r>
-              <a:rPr lang="fr-FR" dirty="0"/>
+              <a:rPr lang="fr-FR" sz="1800" dirty="0"/>
               <a:t>, as </a:t>
             </a:r>
             <a:r>
-              <a:rPr lang="fr-FR" dirty="0" err="1"/>
+              <a:rPr lang="fr-FR" sz="1800" dirty="0" err="1"/>
               <a:t>well</a:t>
             </a:r>
             <a:r>
-              <a:rPr lang="fr-FR" dirty="0"/>
+              <a:rPr lang="fr-FR" sz="1800" dirty="0"/>
               <a:t> as an illustration </a:t>
             </a:r>
             <a:r>
-              <a:rPr lang="fr-FR" dirty="0" err="1"/>
+              <a:rPr lang="fr-FR" sz="1800" dirty="0" err="1"/>
               <a:t>that</a:t>
             </a:r>
             <a:r>
-              <a:rPr lang="fr-FR" dirty="0"/>
+              <a:rPr lang="fr-FR" sz="1800" dirty="0"/>
               <a:t> </a:t>
             </a:r>
             <a:r>
-              <a:rPr lang="fr-FR" dirty="0" err="1"/>
+              <a:rPr lang="fr-FR" sz="1800" dirty="0" err="1"/>
               <a:t>signals</a:t>
             </a:r>
             <a:r>
-              <a:rPr lang="fr-FR" dirty="0"/>
+              <a:rPr lang="fr-FR" sz="1800" dirty="0"/>
               <a:t> </a:t>
             </a:r>
             <a:r>
-              <a:rPr lang="fr-FR" dirty="0" err="1"/>
+              <a:rPr lang="fr-FR" sz="1800" dirty="0" err="1"/>
               <a:t>that</a:t>
             </a:r>
             <a:r>
-              <a:rPr lang="fr-FR" dirty="0"/>
+              <a:rPr lang="fr-FR" sz="1800" dirty="0"/>
               <a:t> the page </a:t>
             </a:r>
             <a:r>
-              <a:rPr lang="fr-FR" dirty="0" err="1"/>
+              <a:rPr lang="fr-FR" sz="1800" dirty="0" err="1"/>
               <a:t>is</a:t>
             </a:r>
             <a:r>
-              <a:rPr lang="fr-FR" dirty="0"/>
+              <a:rPr lang="fr-FR" sz="1800" dirty="0"/>
               <a:t> </a:t>
             </a:r>
             <a:r>
-              <a:rPr lang="fr-FR" dirty="0" err="1"/>
+              <a:rPr lang="fr-FR" sz="1800" dirty="0" err="1"/>
               <a:t>loading</a:t>
             </a:r>
             <a:r>
-              <a:rPr lang="fr-FR" dirty="0"/>
+              <a:rPr lang="fr-FR" sz="1800" dirty="0"/>
               <a:t>.</a:t>
             </a:r>
           </a:p>
@@ -5281,6 +5285,47 @@
               <a:t>3</a:t>
             </a:fld>
             <a:endParaRPr lang="fr-FR"/>
+          </a:p>
+        </p:txBody>
+      </p:sp>
+      <p:sp>
+        <p:nvSpPr>
+          <p:cNvPr id="5" name="Rectangle 4">
+            <a:extLst>
+              <a:ext uri="{FF2B5EF4-FFF2-40B4-BE49-F238E27FC236}">
+                <a16:creationId xmlns:a16="http://schemas.microsoft.com/office/drawing/2014/main" id="{152A50BE-4F42-4E47-9086-A58D9025141D}"/>
+              </a:ext>
+            </a:extLst>
+          </p:cNvPr>
+          <p:cNvSpPr/>
+          <p:nvPr/>
+        </p:nvSpPr>
+        <p:spPr>
+          <a:xfrm>
+            <a:off x="3918860" y="6488668"/>
+            <a:ext cx="7886700" cy="369332"/>
+          </a:xfrm>
+          <a:prstGeom prst="rect">
+            <a:avLst/>
+          </a:prstGeom>
+        </p:spPr>
+        <p:txBody>
+          <a:bodyPr wrap="square">
+            <a:spAutoFit/>
+          </a:bodyPr>
+          <a:lstStyle/>
+          <a:p>
+            <a:r>
+              <a:rPr lang="fr-FR" dirty="0"/>
+              <a:t>Source  : </a:t>
+            </a:r>
+            <a:r>
+              <a:rPr lang="fr-FR" dirty="0">
+                <a:hlinkClick r:id="rId2"/>
+              </a:rPr>
+              <a:t>https://medium.com/iquii/progressive-web-app-pwa-what-they-are-...</a:t>
+            </a:r>
+            <a:endParaRPr lang="fr-FR" dirty="0"/>
           </a:p>
         </p:txBody>
       </p:sp>
@@ -6985,7 +7030,7 @@
         </p:nvSpPr>
         <p:spPr>
           <a:xfrm>
-            <a:off x="317338" y="381453"/>
+            <a:off x="317338" y="231206"/>
             <a:ext cx="10515600" cy="1325563"/>
           </a:xfrm>
         </p:spPr>
@@ -7034,7 +7079,7 @@
         </p:nvSpPr>
         <p:spPr>
           <a:xfrm>
-            <a:off x="317338" y="1556769"/>
+            <a:off x="317338" y="1469230"/>
             <a:ext cx="11326793" cy="4974659"/>
           </a:xfrm>
         </p:spPr>
@@ -7182,7 +7227,7 @@
         </p:blipFill>
         <p:spPr>
           <a:xfrm>
-            <a:off x="3412675" y="2253233"/>
+            <a:off x="3412675" y="2138931"/>
             <a:ext cx="6020970" cy="2609993"/>
           </a:xfrm>
           <a:prstGeom prst="rect">
@@ -7190,6 +7235,79 @@
           </a:prstGeom>
         </p:spPr>
       </p:pic>
+      <p:sp>
+        <p:nvSpPr>
+          <p:cNvPr id="7" name="Rectangle 6">
+            <a:extLst>
+              <a:ext uri="{FF2B5EF4-FFF2-40B4-BE49-F238E27FC236}">
+                <a16:creationId xmlns:a16="http://schemas.microsoft.com/office/drawing/2014/main" id="{6C5F33CB-70D3-FD48-9A49-BDECA2437F83}"/>
+              </a:ext>
+            </a:extLst>
+          </p:cNvPr>
+          <p:cNvSpPr/>
+          <p:nvPr/>
+        </p:nvSpPr>
+        <p:spPr>
+          <a:xfrm>
+            <a:off x="363706" y="6356350"/>
+            <a:ext cx="9069939" cy="369332"/>
+          </a:xfrm>
+          <a:prstGeom prst="rect">
+            <a:avLst/>
+          </a:prstGeom>
+        </p:spPr>
+        <p:txBody>
+          <a:bodyPr wrap="square">
+            <a:spAutoFit/>
+          </a:bodyPr>
+          <a:lstStyle/>
+          <a:p>
+            <a:r>
+              <a:rPr lang="fr-FR" dirty="0">
+                <a:hlinkClick r:id="rId3"/>
+              </a:rPr>
+              <a:t>https://</a:t>
+            </a:r>
+            <a:r>
+              <a:rPr lang="fr-FR" dirty="0" err="1">
+                <a:hlinkClick r:id="rId3"/>
+              </a:rPr>
+              <a:t>developers.google.com</a:t>
+            </a:r>
+            <a:r>
+              <a:rPr lang="fr-FR" dirty="0">
+                <a:hlinkClick r:id="rId3"/>
+              </a:rPr>
+              <a:t>/web/</a:t>
+            </a:r>
+            <a:r>
+              <a:rPr lang="fr-FR" dirty="0" err="1">
+                <a:hlinkClick r:id="rId3"/>
+              </a:rPr>
+              <a:t>fundamentals</a:t>
+            </a:r>
+            <a:r>
+              <a:rPr lang="fr-FR" dirty="0">
+                <a:hlinkClick r:id="rId3"/>
+              </a:rPr>
+              <a:t>/instant-and-offline/offline-</a:t>
+            </a:r>
+            <a:r>
+              <a:rPr lang="fr-FR" dirty="0" err="1">
+                <a:hlinkClick r:id="rId3"/>
+              </a:rPr>
+              <a:t>cookbook</a:t>
+            </a:r>
+            <a:r>
+              <a:rPr lang="fr-FR" dirty="0">
+                <a:hlinkClick r:id="rId3"/>
+              </a:rPr>
+              <a:t>/</a:t>
+            </a:r>
+            <a:endParaRPr lang="fr-FR" dirty="0"/>
+          </a:p>
+        </p:txBody>
+      </p:sp>
     </p:spTree>
     <p:extLst>
       <p:ext uri="{BB962C8B-B14F-4D97-AF65-F5344CB8AC3E}">
@@ -7222,10 +7340,69 @@
       </p:grpSpPr>
       <p:sp>
         <p:nvSpPr>
+          <p:cNvPr id="39" name="ZoneTexte 38">
+            <a:extLst>
+              <a:ext uri="{FF2B5EF4-FFF2-40B4-BE49-F238E27FC236}">
+                <a16:creationId xmlns:a16="http://schemas.microsoft.com/office/drawing/2014/main" id="{8AB5C1BD-F3E9-254C-8D71-AB131E09A8F0}"/>
+              </a:ext>
+            </a:extLst>
+          </p:cNvPr>
+          <p:cNvSpPr txBox="1"/>
+          <p:nvPr/>
+        </p:nvSpPr>
+        <p:spPr>
+          <a:xfrm>
+            <a:off x="307940" y="5527022"/>
+            <a:ext cx="10334015" cy="646331"/>
+          </a:xfrm>
+          <a:prstGeom prst="rect">
+            <a:avLst/>
+          </a:prstGeom>
+          <a:noFill/>
+          <a:ln w="25400">
+            <a:solidFill>
+              <a:srgbClr val="7030A0"/>
+            </a:solidFill>
+          </a:ln>
+        </p:spPr>
+        <p:txBody>
+          <a:bodyPr vert="horz" wrap="square" rtlCol="0" anchor="ctr" anchorCtr="0">
+            <a:spAutoFit/>
+          </a:bodyPr>
+          <a:lstStyle/>
+          <a:p>
+            <a:r>
+              <a:rPr lang="fr-FR" b="1" dirty="0">
+                <a:solidFill>
+                  <a:srgbClr val="7030A0"/>
+                </a:solidFill>
+              </a:rPr>
+              <a:t>A vous </a:t>
+            </a:r>
+            <a:br>
+              <a:rPr lang="fr-FR" b="1" dirty="0">
+                <a:solidFill>
+                  <a:srgbClr val="7030A0"/>
+                </a:solidFill>
+              </a:rPr>
+            </a:br>
+            <a:r>
+              <a:rPr lang="fr-FR" b="1" dirty="0">
+                <a:solidFill>
+                  <a:srgbClr val="7030A0"/>
+                </a:solidFill>
+              </a:rPr>
+              <a:t>de jouer : </a:t>
+            </a:r>
+          </a:p>
+        </p:txBody>
+      </p:sp>
+      <p:sp>
+        <p:nvSpPr>
           <p:cNvPr id="2" name="Titre 1">
             <a:extLst>
               <a:ext uri="{FF2B5EF4-FFF2-40B4-BE49-F238E27FC236}">
-                <a16:creationId xmlns:a16="http://schemas.microsoft.com/office/drawing/2014/main" id="{F163B2D3-37AC-8844-BCD7-0804E16C9349}"/>
+                <a16:creationId xmlns:a16="http://schemas.microsoft.com/office/drawing/2014/main" id="{41C4F450-563C-7B40-927F-B09B52245426}"/>
               </a:ext>
             </a:extLst>
           </p:cNvPr>
@@ -7236,297 +7413,29 @@
             <p:ph type="title"/>
           </p:nvPr>
         </p:nvSpPr>
-        <p:spPr/>
+        <p:spPr>
+          <a:xfrm>
+            <a:off x="126356" y="59174"/>
+            <a:ext cx="10515600" cy="1325563"/>
+          </a:xfrm>
+        </p:spPr>
         <p:txBody>
           <a:bodyPr/>
           <a:lstStyle/>
           <a:p>
             <a:r>
               <a:rPr lang="fr-FR" dirty="0"/>
-              <a:t>Quelques références :</a:t>
-            </a:r>
-          </a:p>
-        </p:txBody>
-      </p:sp>
-      <p:sp>
-        <p:nvSpPr>
-          <p:cNvPr id="3" name="Espace réservé du contenu 2">
-            <a:extLst>
-              <a:ext uri="{FF2B5EF4-FFF2-40B4-BE49-F238E27FC236}">
-                <a16:creationId xmlns:a16="http://schemas.microsoft.com/office/drawing/2014/main" id="{02DCE6DC-2D81-C641-86FD-0ECF5CE4CB28}"/>
-              </a:ext>
-            </a:extLst>
-          </p:cNvPr>
-          <p:cNvSpPr>
-            <a:spLocks noGrp="1"/>
-          </p:cNvSpPr>
-          <p:nvPr>
-            <p:ph idx="1"/>
-          </p:nvPr>
-        </p:nvSpPr>
-        <p:spPr/>
-        <p:txBody>
-          <a:bodyPr>
-            <a:normAutofit fontScale="85000" lnSpcReduction="20000"/>
-          </a:bodyPr>
-          <a:lstStyle/>
-          <a:p>
-            <a:pPr marL="0" indent="0">
-              <a:buNone/>
-            </a:pPr>
-            <a:r>
-              <a:rPr lang="fr-FR" sz="2000" dirty="0"/>
-              <a:t>Site officiel : </a:t>
-            </a:r>
-          </a:p>
-          <a:p>
-            <a:r>
-              <a:rPr lang="fr-FR" sz="2000" dirty="0"/>
-              <a:t>https://</a:t>
-            </a:r>
-            <a:r>
-              <a:rPr lang="fr-FR" sz="2000" dirty="0" err="1"/>
-              <a:t>developers.google.com</a:t>
-            </a:r>
-            <a:r>
-              <a:rPr lang="fr-FR" sz="2000" dirty="0"/>
-              <a:t>/web/progressive-web-</a:t>
-            </a:r>
-            <a:r>
-              <a:rPr lang="fr-FR" sz="2000" dirty="0" err="1"/>
-              <a:t>apps</a:t>
-            </a:r>
-            <a:r>
-              <a:rPr lang="fr-FR" sz="2000" dirty="0"/>
-              <a:t>/</a:t>
-            </a:r>
-          </a:p>
-          <a:p>
-            <a:pPr marL="0" indent="0">
-              <a:buNone/>
-            </a:pPr>
-            <a:endParaRPr lang="fr-FR" sz="2000" dirty="0"/>
-          </a:p>
-          <a:p>
-            <a:pPr marL="0" indent="0">
-              <a:buNone/>
-            </a:pPr>
-            <a:r>
-              <a:rPr lang="fr-FR" sz="2000" dirty="0"/>
-              <a:t>Tutoriels : </a:t>
-            </a:r>
-          </a:p>
-          <a:p>
-            <a:r>
-              <a:rPr lang="fr-FR" sz="2000" dirty="0"/>
-              <a:t>https://</a:t>
-            </a:r>
-            <a:r>
-              <a:rPr lang="fr-FR" sz="2000" dirty="0" err="1"/>
-              <a:t>developer.mozilla.org</a:t>
-            </a:r>
-            <a:r>
-              <a:rPr lang="fr-FR" sz="2000" dirty="0"/>
-              <a:t>/en-US/docs/Web/</a:t>
-            </a:r>
-            <a:r>
-              <a:rPr lang="fr-FR" sz="2000" dirty="0" err="1"/>
-              <a:t>Progressive_web_apps</a:t>
-            </a:r>
-            <a:endParaRPr lang="fr-FR" sz="2000" dirty="0"/>
-          </a:p>
-          <a:p>
-            <a:r>
-              <a:rPr lang="fr-FR" sz="2000" dirty="0"/>
-              <a:t>https://</a:t>
-            </a:r>
-            <a:r>
-              <a:rPr lang="fr-FR" sz="2000" dirty="0" err="1"/>
-              <a:t>codelabs.developers.google.com</a:t>
-            </a:r>
-            <a:r>
-              <a:rPr lang="fr-FR" sz="2000" dirty="0"/>
-              <a:t>/</a:t>
-            </a:r>
-            <a:r>
-              <a:rPr lang="fr-FR" sz="2000" dirty="0" err="1"/>
-              <a:t>codelabs</a:t>
-            </a:r>
-            <a:r>
-              <a:rPr lang="fr-FR" sz="2000" dirty="0"/>
-              <a:t>/</a:t>
-            </a:r>
-            <a:r>
-              <a:rPr lang="fr-FR" sz="2000" dirty="0" err="1"/>
-              <a:t>your</a:t>
-            </a:r>
-            <a:r>
-              <a:rPr lang="fr-FR" sz="2000" dirty="0"/>
-              <a:t>-first-</a:t>
-            </a:r>
-            <a:r>
-              <a:rPr lang="fr-FR" sz="2000" dirty="0" err="1"/>
-              <a:t>pwapp</a:t>
-            </a:r>
-            <a:r>
-              <a:rPr lang="fr-FR" sz="2000" dirty="0"/>
-              <a:t>/#0</a:t>
-            </a:r>
-          </a:p>
-          <a:p>
-            <a:endParaRPr lang="fr-FR" sz="2000" dirty="0"/>
-          </a:p>
-          <a:p>
-            <a:pPr marL="0" indent="0">
-              <a:buNone/>
-            </a:pPr>
-            <a:r>
-              <a:rPr lang="fr-FR" sz="2000" dirty="0"/>
-              <a:t>Articles :</a:t>
-            </a:r>
-          </a:p>
-          <a:p>
-            <a:r>
-              <a:rPr lang="fr-FR" sz="2000" b="1" dirty="0" err="1"/>
-              <a:t>Why</a:t>
-            </a:r>
-            <a:r>
-              <a:rPr lang="fr-FR" sz="2000" b="1" dirty="0"/>
-              <a:t> Progressive Web Apps Are The Future of Mobile Web</a:t>
-            </a:r>
-            <a:br>
-              <a:rPr lang="fr-FR" sz="2000" b="1" dirty="0"/>
-            </a:br>
-            <a:r>
-              <a:rPr lang="fr-FR" sz="2000" dirty="0"/>
-              <a:t>https://</a:t>
-            </a:r>
-            <a:r>
-              <a:rPr lang="fr-FR" sz="2000" dirty="0" err="1"/>
-              <a:t>ymedialabs.com</a:t>
-            </a:r>
-            <a:r>
-              <a:rPr lang="fr-FR" sz="2000" dirty="0"/>
-              <a:t>/progressive-web-</a:t>
-            </a:r>
-            <a:r>
-              <a:rPr lang="fr-FR" sz="2000" dirty="0" err="1"/>
-              <a:t>apps</a:t>
-            </a:r>
-            <a:endParaRPr lang="fr-FR" sz="2000" dirty="0"/>
-          </a:p>
-          <a:p>
-            <a:r>
-              <a:rPr lang="fr-FR" sz="2000" dirty="0"/>
-              <a:t>https://</a:t>
-            </a:r>
-            <a:r>
-              <a:rPr lang="fr-FR" sz="2000" dirty="0" err="1"/>
-              <a:t>alistapart.com</a:t>
-            </a:r>
-            <a:r>
-              <a:rPr lang="fr-FR" sz="2000" dirty="0"/>
-              <a:t>/article/</a:t>
-            </a:r>
-            <a:r>
-              <a:rPr lang="fr-FR" sz="2000" dirty="0" err="1"/>
-              <a:t>yes</a:t>
-            </a:r>
-            <a:r>
-              <a:rPr lang="fr-FR" sz="2000" dirty="0"/>
-              <a:t>-</a:t>
-            </a:r>
-            <a:r>
-              <a:rPr lang="fr-FR" sz="2000" dirty="0" err="1"/>
-              <a:t>that</a:t>
-            </a:r>
-            <a:r>
-              <a:rPr lang="fr-FR" sz="2000" dirty="0"/>
-              <a:t>-web-</a:t>
-            </a:r>
-            <a:r>
-              <a:rPr lang="fr-FR" sz="2000" dirty="0" err="1"/>
-              <a:t>project</a:t>
-            </a:r>
-            <a:r>
-              <a:rPr lang="fr-FR" sz="2000" dirty="0"/>
-              <a:t>-</a:t>
-            </a:r>
-            <a:r>
-              <a:rPr lang="fr-FR" sz="2000" dirty="0" err="1"/>
-              <a:t>should</a:t>
-            </a:r>
-            <a:r>
-              <a:rPr lang="fr-FR" sz="2000" dirty="0"/>
-              <a:t>-</a:t>
-            </a:r>
-            <a:r>
-              <a:rPr lang="fr-FR" sz="2000" dirty="0" err="1"/>
-              <a:t>be</a:t>
-            </a:r>
-            <a:r>
-              <a:rPr lang="fr-FR" sz="2000" dirty="0"/>
-              <a:t>-a-</a:t>
-            </a:r>
-            <a:r>
-              <a:rPr lang="fr-FR" sz="2000" dirty="0" err="1"/>
-              <a:t>pwa</a:t>
-            </a:r>
-            <a:r>
-              <a:rPr lang="fr-FR" sz="2000" dirty="0"/>
-              <a:t>/</a:t>
-            </a:r>
-          </a:p>
-          <a:p>
-            <a:pPr marL="0" indent="0">
-              <a:buNone/>
-            </a:pPr>
-            <a:endParaRPr lang="fr-FR" sz="2000" dirty="0"/>
-          </a:p>
-          <a:p>
-            <a:pPr marL="0" indent="0">
-              <a:buNone/>
-            </a:pPr>
-            <a:r>
-              <a:rPr lang="fr-FR" sz="2000" dirty="0"/>
-              <a:t>Ressources :</a:t>
-            </a:r>
-          </a:p>
-          <a:p>
-            <a:r>
-              <a:rPr lang="fr-FR" sz="2000" dirty="0"/>
-              <a:t>https://</a:t>
-            </a:r>
-            <a:r>
-              <a:rPr lang="fr-FR" sz="2000" dirty="0" err="1"/>
-              <a:t>www.ma-no.org</a:t>
-            </a:r>
-            <a:r>
-              <a:rPr lang="fr-FR" sz="2000" dirty="0"/>
-              <a:t>/en/progressive-web-</a:t>
-            </a:r>
-            <a:r>
-              <a:rPr lang="fr-FR" sz="2000" dirty="0" err="1"/>
-              <a:t>apps</a:t>
-            </a:r>
-            <a:r>
-              <a:rPr lang="fr-FR" sz="2000" dirty="0"/>
-              <a:t>-directory-the-best-collection-of-</a:t>
-            </a:r>
-            <a:r>
-              <a:rPr lang="fr-FR" sz="2000" dirty="0" err="1"/>
-              <a:t>resources</a:t>
-            </a:r>
-            <a:endParaRPr lang="fr-FR" sz="2000" dirty="0"/>
-          </a:p>
-        </p:txBody>
-      </p:sp>
-      <p:sp>
-        <p:nvSpPr>
-          <p:cNvPr id="4" name="Espace réservé du numéro de diapositive 3">
-            <a:extLst>
-              <a:ext uri="{FF2B5EF4-FFF2-40B4-BE49-F238E27FC236}">
-                <a16:creationId xmlns:a16="http://schemas.microsoft.com/office/drawing/2014/main" id="{64D388BA-76A7-3149-9BEE-EFBC5C46B9F5}"/>
+              <a:t>Programme du TP	 </a:t>
+            </a:r>
+          </a:p>
+        </p:txBody>
+      </p:sp>
+      <p:sp>
+        <p:nvSpPr>
+          <p:cNvPr id="5" name="Espace réservé du numéro de diapositive 4">
+            <a:extLst>
+              <a:ext uri="{FF2B5EF4-FFF2-40B4-BE49-F238E27FC236}">
+                <a16:creationId xmlns:a16="http://schemas.microsoft.com/office/drawing/2014/main" id="{8C7CDD96-06C7-E84A-B594-34A8ADFECAB8}"/>
               </a:ext>
             </a:extLst>
           </p:cNvPr>
@@ -7537,7 +7446,12 @@
             <p:ph type="sldNum" sz="quarter" idx="12"/>
           </p:nvPr>
         </p:nvSpPr>
-        <p:spPr/>
+        <p:spPr>
+          <a:xfrm>
+            <a:off x="9270356" y="6356350"/>
+            <a:ext cx="2743200" cy="365125"/>
+          </a:xfrm>
+        </p:spPr>
         <p:txBody>
           <a:bodyPr/>
           <a:lstStyle/>
@@ -7550,10 +7464,843 @@
           </a:p>
         </p:txBody>
       </p:sp>
+      <p:grpSp>
+        <p:nvGrpSpPr>
+          <p:cNvPr id="24" name="Groupe 23">
+            <a:extLst>
+              <a:ext uri="{FF2B5EF4-FFF2-40B4-BE49-F238E27FC236}">
+                <a16:creationId xmlns:a16="http://schemas.microsoft.com/office/drawing/2014/main" id="{D702DFCD-C351-4E44-AA51-08F843EAFEA2}"/>
+              </a:ext>
+            </a:extLst>
+          </p:cNvPr>
+          <p:cNvGrpSpPr/>
+          <p:nvPr/>
+        </p:nvGrpSpPr>
+        <p:grpSpPr>
+          <a:xfrm>
+            <a:off x="1830247" y="2312980"/>
+            <a:ext cx="8412632" cy="2579103"/>
+            <a:chOff x="3737420" y="1300808"/>
+            <a:chExt cx="8412632" cy="2579103"/>
+          </a:xfrm>
+        </p:grpSpPr>
+        <p:pic>
+          <p:nvPicPr>
+            <p:cNvPr id="6" name="Image 5">
+              <a:extLst>
+                <a:ext uri="{FF2B5EF4-FFF2-40B4-BE49-F238E27FC236}">
+                  <a16:creationId xmlns:a16="http://schemas.microsoft.com/office/drawing/2014/main" id="{3F43491B-F85C-6E4B-9153-B20E36B5B935}"/>
+                </a:ext>
+              </a:extLst>
+            </p:cNvPr>
+            <p:cNvPicPr>
+              <a:picLocks noChangeAspect="1"/>
+            </p:cNvPicPr>
+            <p:nvPr/>
+          </p:nvPicPr>
+          <p:blipFill>
+            <a:blip r:embed="rId2"/>
+            <a:stretch>
+              <a:fillRect/>
+            </a:stretch>
+          </p:blipFill>
+          <p:spPr>
+            <a:xfrm>
+              <a:off x="10727994" y="1300808"/>
+              <a:ext cx="1422058" cy="2579103"/>
+            </a:xfrm>
+            <a:prstGeom prst="rect">
+              <a:avLst/>
+            </a:prstGeom>
+          </p:spPr>
+        </p:pic>
+        <p:sp>
+          <p:nvSpPr>
+            <p:cNvPr id="10" name="Croix 9">
+              <a:extLst>
+                <a:ext uri="{FF2B5EF4-FFF2-40B4-BE49-F238E27FC236}">
+                  <a16:creationId xmlns:a16="http://schemas.microsoft.com/office/drawing/2014/main" id="{03505BE2-5559-8945-8891-2F918E736A9C}"/>
+                </a:ext>
+              </a:extLst>
+            </p:cNvPr>
+            <p:cNvSpPr/>
+            <p:nvPr/>
+          </p:nvSpPr>
+          <p:spPr>
+            <a:xfrm>
+              <a:off x="7373851" y="2376796"/>
+              <a:ext cx="433137" cy="427126"/>
+            </a:xfrm>
+            <a:prstGeom prst="plus">
+              <a:avLst>
+                <a:gd name="adj" fmla="val 40789"/>
+              </a:avLst>
+            </a:prstGeom>
+          </p:spPr>
+          <p:style>
+            <a:lnRef idx="2">
+              <a:schemeClr val="accent1">
+                <a:shade val="50000"/>
+              </a:schemeClr>
+            </a:lnRef>
+            <a:fillRef idx="1">
+              <a:schemeClr val="accent1"/>
+            </a:fillRef>
+            <a:effectRef idx="0">
+              <a:schemeClr val="accent1"/>
+            </a:effectRef>
+            <a:fontRef idx="minor">
+              <a:schemeClr val="lt1"/>
+            </a:fontRef>
+          </p:style>
+          <p:txBody>
+            <a:bodyPr rtlCol="0" anchor="ctr"/>
+            <a:lstStyle/>
+            <a:p>
+              <a:pPr algn="ctr"/>
+              <a:endParaRPr lang="fr-FR"/>
+            </a:p>
+          </p:txBody>
+        </p:sp>
+        <p:grpSp>
+          <p:nvGrpSpPr>
+            <p:cNvPr id="17" name="Groupe 16">
+              <a:extLst>
+                <a:ext uri="{FF2B5EF4-FFF2-40B4-BE49-F238E27FC236}">
+                  <a16:creationId xmlns:a16="http://schemas.microsoft.com/office/drawing/2014/main" id="{9E8F03F3-3E3F-F442-8ACE-6B653AB4B5CE}"/>
+                </a:ext>
+              </a:extLst>
+            </p:cNvPr>
+            <p:cNvGrpSpPr/>
+            <p:nvPr/>
+          </p:nvGrpSpPr>
+          <p:grpSpPr>
+            <a:xfrm>
+              <a:off x="3737420" y="1300808"/>
+              <a:ext cx="1422058" cy="2579103"/>
+              <a:chOff x="4673127" y="1676229"/>
+              <a:chExt cx="1422058" cy="2579103"/>
+            </a:xfrm>
+          </p:grpSpPr>
+          <p:pic>
+            <p:nvPicPr>
+              <p:cNvPr id="12" name="Image 11">
+                <a:extLst>
+                  <a:ext uri="{FF2B5EF4-FFF2-40B4-BE49-F238E27FC236}">
+                    <a16:creationId xmlns:a16="http://schemas.microsoft.com/office/drawing/2014/main" id="{4D44B99D-86D4-5D48-AA25-60B6BC976BBC}"/>
+                  </a:ext>
+                </a:extLst>
+              </p:cNvPr>
+              <p:cNvPicPr>
+                <a:picLocks noChangeAspect="1"/>
+              </p:cNvPicPr>
+              <p:nvPr/>
+            </p:nvPicPr>
+            <p:blipFill>
+              <a:blip r:embed="rId2"/>
+              <a:stretch>
+                <a:fillRect/>
+              </a:stretch>
+            </p:blipFill>
+            <p:spPr>
+              <a:xfrm>
+                <a:off x="4673127" y="1676229"/>
+                <a:ext cx="1422058" cy="2579103"/>
+              </a:xfrm>
+              <a:prstGeom prst="rect">
+                <a:avLst/>
+              </a:prstGeom>
+            </p:spPr>
+          </p:pic>
+          <p:pic>
+            <p:nvPicPr>
+              <p:cNvPr id="16" name="Image 15">
+                <a:extLst>
+                  <a:ext uri="{FF2B5EF4-FFF2-40B4-BE49-F238E27FC236}">
+                    <a16:creationId xmlns:a16="http://schemas.microsoft.com/office/drawing/2014/main" id="{A053D38B-73E4-F046-89E9-AE531BC52E84}"/>
+                  </a:ext>
+                </a:extLst>
+              </p:cNvPr>
+              <p:cNvPicPr>
+                <a:picLocks noChangeAspect="1"/>
+              </p:cNvPicPr>
+              <p:nvPr/>
+            </p:nvPicPr>
+            <p:blipFill>
+              <a:blip r:embed="rId3"/>
+              <a:stretch>
+                <a:fillRect/>
+              </a:stretch>
+            </p:blipFill>
+            <p:spPr>
+              <a:xfrm>
+                <a:off x="4806369" y="1933615"/>
+                <a:ext cx="1166400" cy="2070360"/>
+              </a:xfrm>
+              <a:prstGeom prst="rect">
+                <a:avLst/>
+              </a:prstGeom>
+            </p:spPr>
+          </p:pic>
+        </p:grpSp>
+        <p:grpSp>
+          <p:nvGrpSpPr>
+            <p:cNvPr id="21" name="Groupe 20">
+              <a:extLst>
+                <a:ext uri="{FF2B5EF4-FFF2-40B4-BE49-F238E27FC236}">
+                  <a16:creationId xmlns:a16="http://schemas.microsoft.com/office/drawing/2014/main" id="{CB5CE709-A076-C441-8A69-76F3E65F7AA5}"/>
+                </a:ext>
+              </a:extLst>
+            </p:cNvPr>
+            <p:cNvGrpSpPr/>
+            <p:nvPr/>
+          </p:nvGrpSpPr>
+          <p:grpSpPr>
+            <a:xfrm>
+              <a:off x="6116717" y="2017986"/>
+              <a:ext cx="995083" cy="1144746"/>
+              <a:chOff x="7831610" y="1617986"/>
+              <a:chExt cx="995083" cy="1144746"/>
+            </a:xfrm>
+          </p:grpSpPr>
+          <p:sp>
+            <p:nvSpPr>
+              <p:cNvPr id="9" name="Carré corné 8">
+                <a:extLst>
+                  <a:ext uri="{FF2B5EF4-FFF2-40B4-BE49-F238E27FC236}">
+                    <a16:creationId xmlns:a16="http://schemas.microsoft.com/office/drawing/2014/main" id="{8506BC95-6B85-C449-9872-45A906398274}"/>
+                  </a:ext>
+                </a:extLst>
+              </p:cNvPr>
+              <p:cNvSpPr/>
+              <p:nvPr/>
+            </p:nvSpPr>
+            <p:spPr>
+              <a:xfrm>
+                <a:off x="7912920" y="1617986"/>
+                <a:ext cx="760579" cy="912861"/>
+              </a:xfrm>
+              <a:prstGeom prst="foldedCorner">
+                <a:avLst/>
+              </a:prstGeom>
+            </p:spPr>
+            <p:style>
+              <a:lnRef idx="2">
+                <a:schemeClr val="accent1">
+                  <a:shade val="50000"/>
+                </a:schemeClr>
+              </a:lnRef>
+              <a:fillRef idx="1">
+                <a:schemeClr val="accent1"/>
+              </a:fillRef>
+              <a:effectRef idx="0">
+                <a:schemeClr val="accent1"/>
+              </a:effectRef>
+              <a:fontRef idx="minor">
+                <a:schemeClr val="lt1"/>
+              </a:fontRef>
+            </p:style>
+            <p:txBody>
+              <a:bodyPr lIns="36000" tIns="36000" rIns="36000" bIns="36000" rtlCol="0" anchor="ctr"/>
+              <a:lstStyle/>
+              <a:p>
+                <a:pPr algn="ctr"/>
+                <a:endParaRPr lang="fr-FR" sz="1200" b="1" dirty="0"/>
+              </a:p>
+            </p:txBody>
+          </p:sp>
+          <p:sp>
+            <p:nvSpPr>
+              <p:cNvPr id="18" name="ZoneTexte 17">
+                <a:extLst>
+                  <a:ext uri="{FF2B5EF4-FFF2-40B4-BE49-F238E27FC236}">
+                    <a16:creationId xmlns:a16="http://schemas.microsoft.com/office/drawing/2014/main" id="{07FD0737-67EE-6140-AAF0-769B5059E9B1}"/>
+                  </a:ext>
+                </a:extLst>
+              </p:cNvPr>
+              <p:cNvSpPr txBox="1"/>
+              <p:nvPr/>
+            </p:nvSpPr>
+            <p:spPr>
+              <a:xfrm>
+                <a:off x="7831610" y="2501122"/>
+                <a:ext cx="995083" cy="261610"/>
+              </a:xfrm>
+              <a:prstGeom prst="rect">
+                <a:avLst/>
+              </a:prstGeom>
+              <a:noFill/>
+            </p:spPr>
+            <p:txBody>
+              <a:bodyPr wrap="square" rtlCol="0">
+                <a:spAutoFit/>
+              </a:bodyPr>
+              <a:lstStyle/>
+              <a:p>
+                <a:r>
+                  <a:rPr lang="fr-FR" sz="1100" dirty="0" err="1"/>
+                  <a:t>manifest.json</a:t>
+                </a:r>
+                <a:endParaRPr lang="fr-FR" sz="1100" dirty="0"/>
+              </a:p>
+            </p:txBody>
+          </p:sp>
+        </p:grpSp>
+        <p:grpSp>
+          <p:nvGrpSpPr>
+            <p:cNvPr id="22" name="Groupe 21">
+              <a:extLst>
+                <a:ext uri="{FF2B5EF4-FFF2-40B4-BE49-F238E27FC236}">
+                  <a16:creationId xmlns:a16="http://schemas.microsoft.com/office/drawing/2014/main" id="{1C5EC3DB-4C01-7944-B990-FA7D196E0C83}"/>
+                </a:ext>
+              </a:extLst>
+            </p:cNvPr>
+            <p:cNvGrpSpPr/>
+            <p:nvPr/>
+          </p:nvGrpSpPr>
+          <p:grpSpPr>
+            <a:xfrm>
+              <a:off x="8069039" y="2031617"/>
+              <a:ext cx="1156447" cy="1117484"/>
+              <a:chOff x="7746509" y="3458935"/>
+              <a:chExt cx="1156447" cy="1117484"/>
+            </a:xfrm>
+          </p:grpSpPr>
+          <p:pic>
+            <p:nvPicPr>
+              <p:cNvPr id="14" name="Image 13">
+                <a:extLst>
+                  <a:ext uri="{FF2B5EF4-FFF2-40B4-BE49-F238E27FC236}">
+                    <a16:creationId xmlns:a16="http://schemas.microsoft.com/office/drawing/2014/main" id="{855D18E9-7F48-1344-8AFC-A1080C156628}"/>
+                  </a:ext>
+                </a:extLst>
+              </p:cNvPr>
+              <p:cNvPicPr>
+                <a:picLocks noChangeAspect="1"/>
+              </p:cNvPicPr>
+              <p:nvPr/>
+            </p:nvPicPr>
+            <p:blipFill>
+              <a:blip r:embed="rId4"/>
+              <a:stretch>
+                <a:fillRect/>
+              </a:stretch>
+            </p:blipFill>
+            <p:spPr>
+              <a:xfrm>
+                <a:off x="7894656" y="3458935"/>
+                <a:ext cx="860154" cy="855874"/>
+              </a:xfrm>
+              <a:prstGeom prst="rect">
+                <a:avLst/>
+              </a:prstGeom>
+            </p:spPr>
+          </p:pic>
+          <p:sp>
+            <p:nvSpPr>
+              <p:cNvPr id="19" name="ZoneTexte 18">
+                <a:extLst>
+                  <a:ext uri="{FF2B5EF4-FFF2-40B4-BE49-F238E27FC236}">
+                    <a16:creationId xmlns:a16="http://schemas.microsoft.com/office/drawing/2014/main" id="{FC11283D-E29E-4442-878B-A457A7A4F915}"/>
+                  </a:ext>
+                </a:extLst>
+              </p:cNvPr>
+              <p:cNvSpPr txBox="1"/>
+              <p:nvPr/>
+            </p:nvSpPr>
+            <p:spPr>
+              <a:xfrm>
+                <a:off x="7746509" y="4314809"/>
+                <a:ext cx="1156447" cy="261610"/>
+              </a:xfrm>
+              <a:prstGeom prst="rect">
+                <a:avLst/>
+              </a:prstGeom>
+              <a:noFill/>
+            </p:spPr>
+            <p:txBody>
+              <a:bodyPr wrap="square" rtlCol="0">
+                <a:spAutoFit/>
+              </a:bodyPr>
+              <a:lstStyle/>
+              <a:p>
+                <a:r>
+                  <a:rPr lang="fr-FR" sz="1100" dirty="0" err="1"/>
+                  <a:t>ServiceWorker.js</a:t>
+                </a:r>
+                <a:endParaRPr lang="fr-FR" sz="1100" dirty="0"/>
+              </a:p>
+            </p:txBody>
+          </p:sp>
+        </p:grpSp>
+        <p:sp>
+          <p:nvSpPr>
+            <p:cNvPr id="20" name="Croix 19">
+              <a:extLst>
+                <a:ext uri="{FF2B5EF4-FFF2-40B4-BE49-F238E27FC236}">
+                  <a16:creationId xmlns:a16="http://schemas.microsoft.com/office/drawing/2014/main" id="{3DB86A98-A4AB-C948-91A6-779249734904}"/>
+                </a:ext>
+              </a:extLst>
+            </p:cNvPr>
+            <p:cNvSpPr/>
+            <p:nvPr/>
+          </p:nvSpPr>
+          <p:spPr>
+            <a:xfrm>
+              <a:off x="5421529" y="2376796"/>
+              <a:ext cx="433137" cy="427126"/>
+            </a:xfrm>
+            <a:prstGeom prst="plus">
+              <a:avLst>
+                <a:gd name="adj" fmla="val 40789"/>
+              </a:avLst>
+            </a:prstGeom>
+          </p:spPr>
+          <p:style>
+            <a:lnRef idx="2">
+              <a:schemeClr val="accent1">
+                <a:shade val="50000"/>
+              </a:schemeClr>
+            </a:lnRef>
+            <a:fillRef idx="1">
+              <a:schemeClr val="accent1"/>
+            </a:fillRef>
+            <a:effectRef idx="0">
+              <a:schemeClr val="accent1"/>
+            </a:effectRef>
+            <a:fontRef idx="minor">
+              <a:schemeClr val="lt1"/>
+            </a:fontRef>
+          </p:style>
+          <p:txBody>
+            <a:bodyPr rtlCol="0" anchor="ctr"/>
+            <a:lstStyle/>
+            <a:p>
+              <a:pPr algn="ctr"/>
+              <a:endParaRPr lang="fr-FR"/>
+            </a:p>
+          </p:txBody>
+        </p:sp>
+        <p:sp>
+          <p:nvSpPr>
+            <p:cNvPr id="23" name="Flèche vers la droite 22">
+              <a:extLst>
+                <a:ext uri="{FF2B5EF4-FFF2-40B4-BE49-F238E27FC236}">
+                  <a16:creationId xmlns:a16="http://schemas.microsoft.com/office/drawing/2014/main" id="{45CC303F-A928-4149-A50E-5408C62795EB}"/>
+                </a:ext>
+              </a:extLst>
+            </p:cNvPr>
+            <p:cNvSpPr/>
+            <p:nvPr/>
+          </p:nvSpPr>
+          <p:spPr>
+            <a:xfrm>
+              <a:off x="9487537" y="2348043"/>
+              <a:ext cx="978408" cy="484632"/>
+            </a:xfrm>
+            <a:prstGeom prst="rightArrow">
+              <a:avLst>
+                <a:gd name="adj1" fmla="val 38902"/>
+                <a:gd name="adj2" fmla="val 59249"/>
+              </a:avLst>
+            </a:prstGeom>
+          </p:spPr>
+          <p:style>
+            <a:lnRef idx="2">
+              <a:schemeClr val="accent1">
+                <a:shade val="50000"/>
+              </a:schemeClr>
+            </a:lnRef>
+            <a:fillRef idx="1">
+              <a:schemeClr val="accent1"/>
+            </a:fillRef>
+            <a:effectRef idx="0">
+              <a:schemeClr val="accent1"/>
+            </a:effectRef>
+            <a:fontRef idx="minor">
+              <a:schemeClr val="lt1"/>
+            </a:fontRef>
+          </p:style>
+          <p:txBody>
+            <a:bodyPr rtlCol="0" anchor="ctr"/>
+            <a:lstStyle/>
+            <a:p>
+              <a:pPr algn="ctr"/>
+              <a:endParaRPr lang="fr-FR"/>
+            </a:p>
+          </p:txBody>
+        </p:sp>
+      </p:grpSp>
+      <p:sp>
+        <p:nvSpPr>
+          <p:cNvPr id="8" name="ZoneTexte 7">
+            <a:extLst>
+              <a:ext uri="{FF2B5EF4-FFF2-40B4-BE49-F238E27FC236}">
+                <a16:creationId xmlns:a16="http://schemas.microsoft.com/office/drawing/2014/main" id="{9BDCF5D4-B199-9F42-B346-E6BD87969D2D}"/>
+              </a:ext>
+            </a:extLst>
+          </p:cNvPr>
+          <p:cNvSpPr txBox="1"/>
+          <p:nvPr/>
+        </p:nvSpPr>
+        <p:spPr>
+          <a:xfrm>
+            <a:off x="1782735" y="5496245"/>
+            <a:ext cx="1518557" cy="707886"/>
+          </a:xfrm>
+          <a:prstGeom prst="rect">
+            <a:avLst/>
+          </a:prstGeom>
+          <a:noFill/>
+        </p:spPr>
+        <p:txBody>
+          <a:bodyPr wrap="square" rtlCol="0">
+            <a:spAutoFit/>
+          </a:bodyPr>
+          <a:lstStyle/>
+          <a:p>
+            <a:pPr algn="ctr"/>
+            <a:r>
+              <a:rPr lang="fr-FR" sz="2000" dirty="0"/>
+              <a:t>à héberger</a:t>
+            </a:r>
+            <a:br>
+              <a:rPr lang="fr-FR" sz="2000" dirty="0"/>
+            </a:br>
+            <a:r>
+              <a:rPr lang="fr-FR" sz="2000" dirty="0"/>
+              <a:t>en HTTPS</a:t>
+            </a:r>
+          </a:p>
+        </p:txBody>
+      </p:sp>
+      <p:sp>
+        <p:nvSpPr>
+          <p:cNvPr id="25" name="ZoneTexte 24">
+            <a:extLst>
+              <a:ext uri="{FF2B5EF4-FFF2-40B4-BE49-F238E27FC236}">
+                <a16:creationId xmlns:a16="http://schemas.microsoft.com/office/drawing/2014/main" id="{0EE90330-B85D-E54F-9723-B39641FBE297}"/>
+              </a:ext>
+            </a:extLst>
+          </p:cNvPr>
+          <p:cNvSpPr txBox="1"/>
+          <p:nvPr/>
+        </p:nvSpPr>
+        <p:spPr>
+          <a:xfrm>
+            <a:off x="3977180" y="5496245"/>
+            <a:ext cx="1518557" cy="400110"/>
+          </a:xfrm>
+          <a:prstGeom prst="rect">
+            <a:avLst/>
+          </a:prstGeom>
+          <a:noFill/>
+        </p:spPr>
+        <p:txBody>
+          <a:bodyPr wrap="square" rtlCol="0">
+            <a:spAutoFit/>
+          </a:bodyPr>
+          <a:lstStyle/>
+          <a:p>
+            <a:pPr algn="ctr"/>
+            <a:r>
+              <a:rPr lang="fr-FR" sz="2000" dirty="0"/>
+              <a:t>à écrire</a:t>
+            </a:r>
+          </a:p>
+        </p:txBody>
+      </p:sp>
+      <p:sp>
+        <p:nvSpPr>
+          <p:cNvPr id="27" name="ZoneTexte 26">
+            <a:extLst>
+              <a:ext uri="{FF2B5EF4-FFF2-40B4-BE49-F238E27FC236}">
+                <a16:creationId xmlns:a16="http://schemas.microsoft.com/office/drawing/2014/main" id="{FC1A6C21-7A37-8544-8326-03C3754A1F47}"/>
+              </a:ext>
+            </a:extLst>
+          </p:cNvPr>
+          <p:cNvSpPr txBox="1"/>
+          <p:nvPr/>
+        </p:nvSpPr>
+        <p:spPr>
+          <a:xfrm>
+            <a:off x="6127771" y="5496245"/>
+            <a:ext cx="1518557" cy="400110"/>
+          </a:xfrm>
+          <a:prstGeom prst="rect">
+            <a:avLst/>
+          </a:prstGeom>
+          <a:noFill/>
+        </p:spPr>
+        <p:txBody>
+          <a:bodyPr wrap="square" rtlCol="0">
+            <a:spAutoFit/>
+          </a:bodyPr>
+          <a:lstStyle/>
+          <a:p>
+            <a:pPr algn="ctr"/>
+            <a:r>
+              <a:rPr lang="fr-FR" sz="2000" dirty="0"/>
+              <a:t>à écrire</a:t>
+            </a:r>
+          </a:p>
+        </p:txBody>
+      </p:sp>
+      <p:cxnSp>
+        <p:nvCxnSpPr>
+          <p:cNvPr id="13" name="Connecteur droit avec flèche 12">
+            <a:extLst>
+              <a:ext uri="{FF2B5EF4-FFF2-40B4-BE49-F238E27FC236}">
+                <a16:creationId xmlns:a16="http://schemas.microsoft.com/office/drawing/2014/main" id="{27777CC8-CABC-F249-91D6-C281771198E0}"/>
+              </a:ext>
+            </a:extLst>
+          </p:cNvPr>
+          <p:cNvCxnSpPr>
+            <a:cxnSpLocks/>
+          </p:cNvCxnSpPr>
+          <p:nvPr/>
+        </p:nvCxnSpPr>
+        <p:spPr>
+          <a:xfrm>
+            <a:off x="2541276" y="4908412"/>
+            <a:ext cx="0" cy="571504"/>
+          </a:xfrm>
+          <a:prstGeom prst="straightConnector1">
+            <a:avLst/>
+          </a:prstGeom>
+          <a:ln w="44450">
+            <a:tailEnd type="arrow"/>
+          </a:ln>
+        </p:spPr>
+        <p:style>
+          <a:lnRef idx="1">
+            <a:schemeClr val="accent1"/>
+          </a:lnRef>
+          <a:fillRef idx="0">
+            <a:schemeClr val="accent1"/>
+          </a:fillRef>
+          <a:effectRef idx="0">
+            <a:schemeClr val="accent1"/>
+          </a:effectRef>
+          <a:fontRef idx="minor">
+            <a:schemeClr val="tx1"/>
+          </a:fontRef>
+        </p:style>
+      </p:cxnSp>
+      <p:cxnSp>
+        <p:nvCxnSpPr>
+          <p:cNvPr id="28" name="Connecteur droit avec flèche 27">
+            <a:extLst>
+              <a:ext uri="{FF2B5EF4-FFF2-40B4-BE49-F238E27FC236}">
+                <a16:creationId xmlns:a16="http://schemas.microsoft.com/office/drawing/2014/main" id="{332A9C9B-CDF4-964B-A237-EC73F4DAAD17}"/>
+              </a:ext>
+            </a:extLst>
+          </p:cNvPr>
+          <p:cNvCxnSpPr>
+            <a:cxnSpLocks/>
+          </p:cNvCxnSpPr>
+          <p:nvPr/>
+        </p:nvCxnSpPr>
+        <p:spPr>
+          <a:xfrm>
+            <a:off x="4735918" y="4373559"/>
+            <a:ext cx="0" cy="1090028"/>
+          </a:xfrm>
+          <a:prstGeom prst="straightConnector1">
+            <a:avLst/>
+          </a:prstGeom>
+          <a:ln w="44450">
+            <a:tailEnd type="arrow"/>
+          </a:ln>
+        </p:spPr>
+        <p:style>
+          <a:lnRef idx="1">
+            <a:schemeClr val="accent1"/>
+          </a:lnRef>
+          <a:fillRef idx="0">
+            <a:schemeClr val="accent1"/>
+          </a:fillRef>
+          <a:effectRef idx="0">
+            <a:schemeClr val="accent1"/>
+          </a:effectRef>
+          <a:fontRef idx="minor">
+            <a:schemeClr val="tx1"/>
+          </a:fontRef>
+        </p:style>
+      </p:cxnSp>
+      <p:cxnSp>
+        <p:nvCxnSpPr>
+          <p:cNvPr id="29" name="Connecteur droit avec flèche 28">
+            <a:extLst>
+              <a:ext uri="{FF2B5EF4-FFF2-40B4-BE49-F238E27FC236}">
+                <a16:creationId xmlns:a16="http://schemas.microsoft.com/office/drawing/2014/main" id="{C69134CF-80EF-9E4D-8DEC-6ABCA9711A5A}"/>
+              </a:ext>
+            </a:extLst>
+          </p:cNvPr>
+          <p:cNvCxnSpPr>
+            <a:cxnSpLocks/>
+          </p:cNvCxnSpPr>
+          <p:nvPr/>
+        </p:nvCxnSpPr>
+        <p:spPr>
+          <a:xfrm>
+            <a:off x="6864075" y="4373559"/>
+            <a:ext cx="0" cy="1083306"/>
+          </a:xfrm>
+          <a:prstGeom prst="straightConnector1">
+            <a:avLst/>
+          </a:prstGeom>
+          <a:ln w="44450">
+            <a:tailEnd type="arrow"/>
+          </a:ln>
+        </p:spPr>
+        <p:style>
+          <a:lnRef idx="1">
+            <a:schemeClr val="accent1"/>
+          </a:lnRef>
+          <a:fillRef idx="0">
+            <a:schemeClr val="accent1"/>
+          </a:fillRef>
+          <a:effectRef idx="0">
+            <a:schemeClr val="accent1"/>
+          </a:effectRef>
+          <a:fontRef idx="minor">
+            <a:schemeClr val="tx1"/>
+          </a:fontRef>
+        </p:style>
+      </p:cxnSp>
+      <p:sp>
+        <p:nvSpPr>
+          <p:cNvPr id="30" name="ZoneTexte 29">
+            <a:extLst>
+              <a:ext uri="{FF2B5EF4-FFF2-40B4-BE49-F238E27FC236}">
+                <a16:creationId xmlns:a16="http://schemas.microsoft.com/office/drawing/2014/main" id="{E80F37B8-A6E6-804D-8C20-9FB19C0D5569}"/>
+              </a:ext>
+            </a:extLst>
+          </p:cNvPr>
+          <p:cNvSpPr txBox="1"/>
+          <p:nvPr/>
+        </p:nvSpPr>
+        <p:spPr>
+          <a:xfrm>
+            <a:off x="1280400" y="1536955"/>
+            <a:ext cx="2587068" cy="707886"/>
+          </a:xfrm>
+          <a:prstGeom prst="rect">
+            <a:avLst/>
+          </a:prstGeom>
+          <a:noFill/>
+        </p:spPr>
+        <p:txBody>
+          <a:bodyPr wrap="square" rtlCol="0">
+            <a:spAutoFit/>
+          </a:bodyPr>
+          <a:lstStyle/>
+          <a:p>
+            <a:pPr algn="ctr"/>
+            <a:r>
+              <a:rPr lang="fr-FR" sz="2000" dirty="0"/>
+              <a:t>Application fournie :</a:t>
+            </a:r>
+          </a:p>
+          <a:p>
+            <a:pPr algn="ctr"/>
+            <a:r>
+              <a:rPr lang="fr-FR" sz="2000" dirty="0" err="1"/>
+              <a:t>Scanette</a:t>
+            </a:r>
+            <a:r>
+              <a:rPr lang="fr-FR" sz="2000" dirty="0"/>
+              <a:t> Web App</a:t>
+            </a:r>
+          </a:p>
+        </p:txBody>
+      </p:sp>
+      <p:sp>
+        <p:nvSpPr>
+          <p:cNvPr id="31" name="ZoneTexte 30">
+            <a:extLst>
+              <a:ext uri="{FF2B5EF4-FFF2-40B4-BE49-F238E27FC236}">
+                <a16:creationId xmlns:a16="http://schemas.microsoft.com/office/drawing/2014/main" id="{3E1EA0DF-A509-BE4B-9471-3514B3FC5B9D}"/>
+              </a:ext>
+            </a:extLst>
+          </p:cNvPr>
+          <p:cNvSpPr txBox="1"/>
+          <p:nvPr/>
+        </p:nvSpPr>
+        <p:spPr>
+          <a:xfrm>
+            <a:off x="8751784" y="5496245"/>
+            <a:ext cx="1518557" cy="400110"/>
+          </a:xfrm>
+          <a:prstGeom prst="rect">
+            <a:avLst/>
+          </a:prstGeom>
+          <a:noFill/>
+        </p:spPr>
+        <p:txBody>
+          <a:bodyPr wrap="square" rtlCol="0">
+            <a:spAutoFit/>
+          </a:bodyPr>
+          <a:lstStyle/>
+          <a:p>
+            <a:pPr algn="ctr"/>
+            <a:r>
+              <a:rPr lang="fr-FR" sz="2000" dirty="0" err="1"/>
+              <a:t>enjoy</a:t>
+            </a:r>
+            <a:r>
+              <a:rPr lang="fr-FR" sz="2000" dirty="0"/>
+              <a:t>!</a:t>
+            </a:r>
+          </a:p>
+        </p:txBody>
+      </p:sp>
+      <p:cxnSp>
+        <p:nvCxnSpPr>
+          <p:cNvPr id="32" name="Connecteur droit avec flèche 31">
+            <a:extLst>
+              <a:ext uri="{FF2B5EF4-FFF2-40B4-BE49-F238E27FC236}">
+                <a16:creationId xmlns:a16="http://schemas.microsoft.com/office/drawing/2014/main" id="{7A97E94A-8299-2440-91A4-F87EABDF9900}"/>
+              </a:ext>
+            </a:extLst>
+          </p:cNvPr>
+          <p:cNvCxnSpPr>
+            <a:cxnSpLocks/>
+          </p:cNvCxnSpPr>
+          <p:nvPr/>
+        </p:nvCxnSpPr>
+        <p:spPr>
+          <a:xfrm>
+            <a:off x="9526654" y="4908412"/>
+            <a:ext cx="0" cy="571504"/>
+          </a:xfrm>
+          <a:prstGeom prst="straightConnector1">
+            <a:avLst/>
+          </a:prstGeom>
+          <a:ln w="44450">
+            <a:tailEnd type="arrow"/>
+          </a:ln>
+        </p:spPr>
+        <p:style>
+          <a:lnRef idx="1">
+            <a:schemeClr val="accent1"/>
+          </a:lnRef>
+          <a:fillRef idx="0">
+            <a:schemeClr val="accent1"/>
+          </a:fillRef>
+          <a:effectRef idx="0">
+            <a:schemeClr val="accent1"/>
+          </a:effectRef>
+          <a:fontRef idx="minor">
+            <a:schemeClr val="tx1"/>
+          </a:fontRef>
+        </p:style>
+      </p:cxnSp>
     </p:spTree>
     <p:extLst>
       <p:ext uri="{BB962C8B-B14F-4D97-AF65-F5344CB8AC3E}">
-        <p14:creationId xmlns:p14="http://schemas.microsoft.com/office/powerpoint/2010/main" val="2135649646"/>
+        <p14:creationId xmlns:p14="http://schemas.microsoft.com/office/powerpoint/2010/main" val="921243986"/>
       </p:ext>
     </p:extLst>
   </p:cSld>
